--- a/Team B Presentation.pptx
+++ b/Team B Presentation.pptx
@@ -9,6 +9,9 @@
     <p:sldId id="256" r:id="rId3"/>
     <p:sldId id="259" r:id="rId4"/>
     <p:sldId id="257" r:id="rId5"/>
+    <p:sldId id="260" r:id="rId6"/>
+    <p:sldId id="261" r:id="rId7"/>
+    <p:sldId id="262" r:id="rId8"/>
   </p:sldIdLst>
   <p:sldSz cx="12192000" cy="6858000"/>
   <p:notesSz cx="6858000" cy="9144000"/>
@@ -107,6 +110,11 @@
       </a:defRPr>
     </a:lvl9pPr>
   </p:defaultTextStyle>
+  <p:extLst>
+    <p:ext uri="{EFAFB233-063F-42B5-8137-9DF3F51BA10A}">
+      <p15:sldGuideLst xmlns:p15="http://schemas.microsoft.com/office/powerpoint/2012/main"/>
+    </p:ext>
+  </p:extLst>
 </p:presentation>
 </file>
 
@@ -140,7 +148,7 @@
           <p:cNvPr id="2" name="Title 1">
             <a:extLst>
               <a:ext uri="{FF2B5EF4-FFF2-40B4-BE49-F238E27FC236}">
-                <a16:creationId xmlns:a16="http://schemas.microsoft.com/office/drawing/2014/main" id="{898DE6C8-AB1D-4204-BC9C-3366B0BF0435}"/>
+                <a16:creationId xmlns:a16="http://schemas.microsoft.com/office/drawing/2014/main" xmlns="" id="{898DE6C8-AB1D-4204-BC9C-3366B0BF0435}"/>
               </a:ext>
             </a:extLst>
           </p:cNvPr>
@@ -180,7 +188,7 @@
           <p:cNvPr id="3" name="Subtitle 2">
             <a:extLst>
               <a:ext uri="{FF2B5EF4-FFF2-40B4-BE49-F238E27FC236}">
-                <a16:creationId xmlns:a16="http://schemas.microsoft.com/office/drawing/2014/main" id="{7A7B9009-EE50-4EE5-B6EB-CD6EC83D3FA3}"/>
+                <a16:creationId xmlns:a16="http://schemas.microsoft.com/office/drawing/2014/main" xmlns="" id="{7A7B9009-EE50-4EE5-B6EB-CD6EC83D3FA3}"/>
               </a:ext>
             </a:extLst>
           </p:cNvPr>
@@ -253,7 +261,7 @@
           <p:cNvPr id="4" name="Date Placeholder 3">
             <a:extLst>
               <a:ext uri="{FF2B5EF4-FFF2-40B4-BE49-F238E27FC236}">
-                <a16:creationId xmlns:a16="http://schemas.microsoft.com/office/drawing/2014/main" id="{99C8667E-058A-436F-B8EA-5B3A99D43D09}"/>
+                <a16:creationId xmlns:a16="http://schemas.microsoft.com/office/drawing/2014/main" xmlns="" id="{99C8667E-058A-436F-B8EA-5B3A99D43D09}"/>
               </a:ext>
             </a:extLst>
           </p:cNvPr>
@@ -271,7 +279,7 @@
           <a:p>
             <a:fld id="{D1D1EADE-8E88-4C7C-8AC5-FB148DE4940E}" type="datetime1">
               <a:rPr lang="en-US" smtClean="0"/>
-              <a:t>5/19/2025</a:t>
+              <a:t>5/21/2025</a:t>
             </a:fld>
             <a:endParaRPr lang="en-US"/>
           </a:p>
@@ -282,7 +290,7 @@
           <p:cNvPr id="5" name="Footer Placeholder 4">
             <a:extLst>
               <a:ext uri="{FF2B5EF4-FFF2-40B4-BE49-F238E27FC236}">
-                <a16:creationId xmlns:a16="http://schemas.microsoft.com/office/drawing/2014/main" id="{52680305-1AD7-482D-BFFD-6CDB83AB39A4}"/>
+                <a16:creationId xmlns:a16="http://schemas.microsoft.com/office/drawing/2014/main" xmlns="" id="{52680305-1AD7-482D-BFFD-6CDB83AB39A4}"/>
               </a:ext>
             </a:extLst>
           </p:cNvPr>
@@ -307,7 +315,7 @@
           <p:cNvPr id="6" name="Slide Number Placeholder 5">
             <a:extLst>
               <a:ext uri="{FF2B5EF4-FFF2-40B4-BE49-F238E27FC236}">
-                <a16:creationId xmlns:a16="http://schemas.microsoft.com/office/drawing/2014/main" id="{BE5762A1-52E9-402D-B65E-DF193E44CE83}"/>
+                <a16:creationId xmlns:a16="http://schemas.microsoft.com/office/drawing/2014/main" xmlns="" id="{BE5762A1-52E9-402D-B65E-DF193E44CE83}"/>
               </a:ext>
             </a:extLst>
           </p:cNvPr>
@@ -366,7 +374,7 @@
           <p:cNvPr id="2" name="Title 1">
             <a:extLst>
               <a:ext uri="{FF2B5EF4-FFF2-40B4-BE49-F238E27FC236}">
-                <a16:creationId xmlns:a16="http://schemas.microsoft.com/office/drawing/2014/main" id="{7D6359C1-C098-4BF4-A55D-782F4E606B8A}"/>
+                <a16:creationId xmlns:a16="http://schemas.microsoft.com/office/drawing/2014/main" xmlns="" id="{7D6359C1-C098-4BF4-A55D-782F4E606B8A}"/>
               </a:ext>
             </a:extLst>
           </p:cNvPr>
@@ -395,7 +403,7 @@
           <p:cNvPr id="3" name="Vertical Text Placeholder 2">
             <a:extLst>
               <a:ext uri="{FF2B5EF4-FFF2-40B4-BE49-F238E27FC236}">
-                <a16:creationId xmlns:a16="http://schemas.microsoft.com/office/drawing/2014/main" id="{3D343C7E-1E8B-4D38-9B81-1AA2A8978EDE}"/>
+                <a16:creationId xmlns:a16="http://schemas.microsoft.com/office/drawing/2014/main" xmlns="" id="{3D343C7E-1E8B-4D38-9B81-1AA2A8978EDE}"/>
               </a:ext>
             </a:extLst>
           </p:cNvPr>
@@ -453,7 +461,7 @@
           <p:cNvPr id="4" name="Date Placeholder 3">
             <a:extLst>
               <a:ext uri="{FF2B5EF4-FFF2-40B4-BE49-F238E27FC236}">
-                <a16:creationId xmlns:a16="http://schemas.microsoft.com/office/drawing/2014/main" id="{C8A70B00-53AE-4D3F-91BE-A8D789ED9864}"/>
+                <a16:creationId xmlns:a16="http://schemas.microsoft.com/office/drawing/2014/main" xmlns="" id="{C8A70B00-53AE-4D3F-91BE-A8D789ED9864}"/>
               </a:ext>
             </a:extLst>
           </p:cNvPr>
@@ -471,7 +479,7 @@
           <a:p>
             <a:fld id="{EC3C8B9C-477D-492A-96AD-1FC2CC997A73}" type="datetime1">
               <a:rPr lang="en-US" smtClean="0"/>
-              <a:t>5/19/2025</a:t>
+              <a:t>5/21/2025</a:t>
             </a:fld>
             <a:endParaRPr lang="en-US"/>
           </a:p>
@@ -482,7 +490,7 @@
           <p:cNvPr id="5" name="Footer Placeholder 4">
             <a:extLst>
               <a:ext uri="{FF2B5EF4-FFF2-40B4-BE49-F238E27FC236}">
-                <a16:creationId xmlns:a16="http://schemas.microsoft.com/office/drawing/2014/main" id="{06647FC7-8124-4F70-A849-B6BCC5189CC3}"/>
+                <a16:creationId xmlns:a16="http://schemas.microsoft.com/office/drawing/2014/main" xmlns="" id="{06647FC7-8124-4F70-A849-B6BCC5189CC3}"/>
               </a:ext>
             </a:extLst>
           </p:cNvPr>
@@ -507,7 +515,7 @@
           <p:cNvPr id="6" name="Slide Number Placeholder 5">
             <a:extLst>
               <a:ext uri="{FF2B5EF4-FFF2-40B4-BE49-F238E27FC236}">
-                <a16:creationId xmlns:a16="http://schemas.microsoft.com/office/drawing/2014/main" id="{B47CEBE4-50DC-47DB-B699-CCC024336C9F}"/>
+                <a16:creationId xmlns:a16="http://schemas.microsoft.com/office/drawing/2014/main" xmlns="" id="{B47CEBE4-50DC-47DB-B699-CCC024336C9F}"/>
               </a:ext>
             </a:extLst>
           </p:cNvPr>
@@ -566,7 +574,7 @@
           <p:cNvPr id="2" name="Vertical Title 1">
             <a:extLst>
               <a:ext uri="{FF2B5EF4-FFF2-40B4-BE49-F238E27FC236}">
-                <a16:creationId xmlns:a16="http://schemas.microsoft.com/office/drawing/2014/main" id="{4B418279-D3B8-4C6A-AB74-9DE377771270}"/>
+                <a16:creationId xmlns:a16="http://schemas.microsoft.com/office/drawing/2014/main" xmlns="" id="{4B418279-D3B8-4C6A-AB74-9DE377771270}"/>
               </a:ext>
             </a:extLst>
           </p:cNvPr>
@@ -600,7 +608,7 @@
           <p:cNvPr id="3" name="Vertical Text Placeholder 2">
             <a:extLst>
               <a:ext uri="{FF2B5EF4-FFF2-40B4-BE49-F238E27FC236}">
-                <a16:creationId xmlns:a16="http://schemas.microsoft.com/office/drawing/2014/main" id="{E28F733C-9309-4197-BACA-207CDC8935C9}"/>
+                <a16:creationId xmlns:a16="http://schemas.microsoft.com/office/drawing/2014/main" xmlns="" id="{E28F733C-9309-4197-BACA-207CDC8935C9}"/>
               </a:ext>
             </a:extLst>
           </p:cNvPr>
@@ -663,7 +671,7 @@
           <p:cNvPr id="4" name="Date Placeholder 3">
             <a:extLst>
               <a:ext uri="{FF2B5EF4-FFF2-40B4-BE49-F238E27FC236}">
-                <a16:creationId xmlns:a16="http://schemas.microsoft.com/office/drawing/2014/main" id="{56ACD4D0-5BE6-412D-B08B-5DFFD593513E}"/>
+                <a16:creationId xmlns:a16="http://schemas.microsoft.com/office/drawing/2014/main" xmlns="" id="{56ACD4D0-5BE6-412D-B08B-5DFFD593513E}"/>
               </a:ext>
             </a:extLst>
           </p:cNvPr>
@@ -681,7 +689,7 @@
           <a:p>
             <a:fld id="{42D3AED5-E26D-4E29-B1B3-7847B6779594}" type="datetime1">
               <a:rPr lang="en-US" smtClean="0"/>
-              <a:t>5/19/2025</a:t>
+              <a:t>5/21/2025</a:t>
             </a:fld>
             <a:endParaRPr lang="en-US"/>
           </a:p>
@@ -692,7 +700,7 @@
           <p:cNvPr id="5" name="Footer Placeholder 4">
             <a:extLst>
               <a:ext uri="{FF2B5EF4-FFF2-40B4-BE49-F238E27FC236}">
-                <a16:creationId xmlns:a16="http://schemas.microsoft.com/office/drawing/2014/main" id="{55021651-B786-4A39-A10F-F5231D0A2C5E}"/>
+                <a16:creationId xmlns:a16="http://schemas.microsoft.com/office/drawing/2014/main" xmlns="" id="{55021651-B786-4A39-A10F-F5231D0A2C5E}"/>
               </a:ext>
             </a:extLst>
           </p:cNvPr>
@@ -717,7 +725,7 @@
           <p:cNvPr id="6" name="Slide Number Placeholder 5">
             <a:extLst>
               <a:ext uri="{FF2B5EF4-FFF2-40B4-BE49-F238E27FC236}">
-                <a16:creationId xmlns:a16="http://schemas.microsoft.com/office/drawing/2014/main" id="{74504D2D-9379-40DE-9F45-3004BE54F16B}"/>
+                <a16:creationId xmlns:a16="http://schemas.microsoft.com/office/drawing/2014/main" xmlns="" id="{74504D2D-9379-40DE-9F45-3004BE54F16B}"/>
               </a:ext>
             </a:extLst>
           </p:cNvPr>
@@ -776,7 +784,7 @@
           <p:cNvPr id="2" name="Title 1">
             <a:extLst>
               <a:ext uri="{FF2B5EF4-FFF2-40B4-BE49-F238E27FC236}">
-                <a16:creationId xmlns:a16="http://schemas.microsoft.com/office/drawing/2014/main" id="{5A987CA6-BFD9-4CB1-8892-F6B062E82445}"/>
+                <a16:creationId xmlns:a16="http://schemas.microsoft.com/office/drawing/2014/main" xmlns="" id="{5A987CA6-BFD9-4CB1-8892-F6B062E82445}"/>
               </a:ext>
             </a:extLst>
           </p:cNvPr>
@@ -805,7 +813,7 @@
           <p:cNvPr id="3" name="Content Placeholder 2">
             <a:extLst>
               <a:ext uri="{FF2B5EF4-FFF2-40B4-BE49-F238E27FC236}">
-                <a16:creationId xmlns:a16="http://schemas.microsoft.com/office/drawing/2014/main" id="{E0CDA8C3-9C0C-4E52-9A62-E4DB159E6B0E}"/>
+                <a16:creationId xmlns:a16="http://schemas.microsoft.com/office/drawing/2014/main" xmlns="" id="{E0CDA8C3-9C0C-4E52-9A62-E4DB159E6B0E}"/>
               </a:ext>
             </a:extLst>
           </p:cNvPr>
@@ -863,7 +871,7 @@
           <p:cNvPr id="4" name="Date Placeholder 3">
             <a:extLst>
               <a:ext uri="{FF2B5EF4-FFF2-40B4-BE49-F238E27FC236}">
-                <a16:creationId xmlns:a16="http://schemas.microsoft.com/office/drawing/2014/main" id="{7CC3EC35-E02F-41FF-9232-F90692A902FC}"/>
+                <a16:creationId xmlns:a16="http://schemas.microsoft.com/office/drawing/2014/main" xmlns="" id="{7CC3EC35-E02F-41FF-9232-F90692A902FC}"/>
               </a:ext>
             </a:extLst>
           </p:cNvPr>
@@ -881,7 +889,7 @@
           <a:p>
             <a:fld id="{157B6794-849E-4626-908B-D15793550EFB}" type="datetime1">
               <a:rPr lang="en-US" smtClean="0"/>
-              <a:t>5/19/2025</a:t>
+              <a:t>5/21/2025</a:t>
             </a:fld>
             <a:endParaRPr lang="en-US"/>
           </a:p>
@@ -892,7 +900,7 @@
           <p:cNvPr id="5" name="Footer Placeholder 4">
             <a:extLst>
               <a:ext uri="{FF2B5EF4-FFF2-40B4-BE49-F238E27FC236}">
-                <a16:creationId xmlns:a16="http://schemas.microsoft.com/office/drawing/2014/main" id="{39D13D38-5DF1-443B-8A12-71E834FDC6A1}"/>
+                <a16:creationId xmlns:a16="http://schemas.microsoft.com/office/drawing/2014/main" xmlns="" id="{39D13D38-5DF1-443B-8A12-71E834FDC6A1}"/>
               </a:ext>
             </a:extLst>
           </p:cNvPr>
@@ -917,7 +925,7 @@
           <p:cNvPr id="6" name="Slide Number Placeholder 5">
             <a:extLst>
               <a:ext uri="{FF2B5EF4-FFF2-40B4-BE49-F238E27FC236}">
-                <a16:creationId xmlns:a16="http://schemas.microsoft.com/office/drawing/2014/main" id="{F25E644A-4A37-4757-9809-5B035E2874E6}"/>
+                <a16:creationId xmlns:a16="http://schemas.microsoft.com/office/drawing/2014/main" xmlns="" id="{F25E644A-4A37-4757-9809-5B035E2874E6}"/>
               </a:ext>
             </a:extLst>
           </p:cNvPr>
@@ -976,7 +984,7 @@
           <p:cNvPr id="2" name="Title 1">
             <a:extLst>
               <a:ext uri="{FF2B5EF4-FFF2-40B4-BE49-F238E27FC236}">
-                <a16:creationId xmlns:a16="http://schemas.microsoft.com/office/drawing/2014/main" id="{70E6578B-CD85-4BF1-A729-E8E8079B595F}"/>
+                <a16:creationId xmlns:a16="http://schemas.microsoft.com/office/drawing/2014/main" xmlns="" id="{70E6578B-CD85-4BF1-A729-E8E8079B595F}"/>
               </a:ext>
             </a:extLst>
           </p:cNvPr>
@@ -1014,7 +1022,7 @@
           <p:cNvPr id="3" name="Text Placeholder 2">
             <a:extLst>
               <a:ext uri="{FF2B5EF4-FFF2-40B4-BE49-F238E27FC236}">
-                <a16:creationId xmlns:a16="http://schemas.microsoft.com/office/drawing/2014/main" id="{A58448C1-C13F-4826-8347-EEB00A6643D6}"/>
+                <a16:creationId xmlns:a16="http://schemas.microsoft.com/office/drawing/2014/main" xmlns="" id="{A58448C1-C13F-4826-8347-EEB00A6643D6}"/>
               </a:ext>
             </a:extLst>
           </p:cNvPr>
@@ -1139,7 +1147,7 @@
           <p:cNvPr id="4" name="Date Placeholder 3">
             <a:extLst>
               <a:ext uri="{FF2B5EF4-FFF2-40B4-BE49-F238E27FC236}">
-                <a16:creationId xmlns:a16="http://schemas.microsoft.com/office/drawing/2014/main" id="{5806546A-957F-4C4D-9744-1177AD258E10}"/>
+                <a16:creationId xmlns:a16="http://schemas.microsoft.com/office/drawing/2014/main" xmlns="" id="{5806546A-957F-4C4D-9744-1177AD258E10}"/>
               </a:ext>
             </a:extLst>
           </p:cNvPr>
@@ -1157,7 +1165,7 @@
           <a:p>
             <a:fld id="{63DB64E7-5594-42A3-ADBF-E95A7ACEAD64}" type="datetime1">
               <a:rPr lang="en-US" smtClean="0"/>
-              <a:t>5/19/2025</a:t>
+              <a:t>5/21/2025</a:t>
             </a:fld>
             <a:endParaRPr lang="en-US"/>
           </a:p>
@@ -1168,7 +1176,7 @@
           <p:cNvPr id="5" name="Footer Placeholder 4">
             <a:extLst>
               <a:ext uri="{FF2B5EF4-FFF2-40B4-BE49-F238E27FC236}">
-                <a16:creationId xmlns:a16="http://schemas.microsoft.com/office/drawing/2014/main" id="{B1DB149C-CC63-4E3A-A83D-EF637EB51979}"/>
+                <a16:creationId xmlns:a16="http://schemas.microsoft.com/office/drawing/2014/main" xmlns="" id="{B1DB149C-CC63-4E3A-A83D-EF637EB51979}"/>
               </a:ext>
             </a:extLst>
           </p:cNvPr>
@@ -1193,7 +1201,7 @@
           <p:cNvPr id="6" name="Slide Number Placeholder 5">
             <a:extLst>
               <a:ext uri="{FF2B5EF4-FFF2-40B4-BE49-F238E27FC236}">
-                <a16:creationId xmlns:a16="http://schemas.microsoft.com/office/drawing/2014/main" id="{EDB94775-7982-41EC-B584-D51224D38F77}"/>
+                <a16:creationId xmlns:a16="http://schemas.microsoft.com/office/drawing/2014/main" xmlns="" id="{EDB94775-7982-41EC-B584-D51224D38F77}"/>
               </a:ext>
             </a:extLst>
           </p:cNvPr>
@@ -1252,7 +1260,7 @@
           <p:cNvPr id="2" name="Title 1">
             <a:extLst>
               <a:ext uri="{FF2B5EF4-FFF2-40B4-BE49-F238E27FC236}">
-                <a16:creationId xmlns:a16="http://schemas.microsoft.com/office/drawing/2014/main" id="{88CE4BD8-507D-48E4-A624-F16A741C3609}"/>
+                <a16:creationId xmlns:a16="http://schemas.microsoft.com/office/drawing/2014/main" xmlns="" id="{88CE4BD8-507D-48E4-A624-F16A741C3609}"/>
               </a:ext>
             </a:extLst>
           </p:cNvPr>
@@ -1286,7 +1294,7 @@
           <p:cNvPr id="3" name="Content Placeholder 2">
             <a:extLst>
               <a:ext uri="{FF2B5EF4-FFF2-40B4-BE49-F238E27FC236}">
-                <a16:creationId xmlns:a16="http://schemas.microsoft.com/office/drawing/2014/main" id="{810A07E4-3A39-457C-A059-7DFB6039D947}"/>
+                <a16:creationId xmlns:a16="http://schemas.microsoft.com/office/drawing/2014/main" xmlns="" id="{810A07E4-3A39-457C-A059-7DFB6039D947}"/>
               </a:ext>
             </a:extLst>
           </p:cNvPr>
@@ -1349,7 +1357,7 @@
           <p:cNvPr id="4" name="Content Placeholder 3">
             <a:extLst>
               <a:ext uri="{FF2B5EF4-FFF2-40B4-BE49-F238E27FC236}">
-                <a16:creationId xmlns:a16="http://schemas.microsoft.com/office/drawing/2014/main" id="{7B141E17-47CE-4A78-B0FA-0E9786DA67C5}"/>
+                <a16:creationId xmlns:a16="http://schemas.microsoft.com/office/drawing/2014/main" xmlns="" id="{7B141E17-47CE-4A78-B0FA-0E9786DA67C5}"/>
               </a:ext>
             </a:extLst>
           </p:cNvPr>
@@ -1412,7 +1420,7 @@
           <p:cNvPr id="5" name="Date Placeholder 4">
             <a:extLst>
               <a:ext uri="{FF2B5EF4-FFF2-40B4-BE49-F238E27FC236}">
-                <a16:creationId xmlns:a16="http://schemas.microsoft.com/office/drawing/2014/main" id="{89F02C13-D3ED-4044-9716-F29D79A184C9}"/>
+                <a16:creationId xmlns:a16="http://schemas.microsoft.com/office/drawing/2014/main" xmlns="" id="{89F02C13-D3ED-4044-9716-F29D79A184C9}"/>
               </a:ext>
             </a:extLst>
           </p:cNvPr>
@@ -1430,7 +1438,7 @@
           <a:p>
             <a:fld id="{18462B0B-D248-4FFB-8695-AD7FA4B1284A}" type="datetime1">
               <a:rPr lang="en-US" smtClean="0"/>
-              <a:t>5/19/2025</a:t>
+              <a:t>5/21/2025</a:t>
             </a:fld>
             <a:endParaRPr lang="en-US"/>
           </a:p>
@@ -1441,7 +1449,7 @@
           <p:cNvPr id="6" name="Footer Placeholder 5">
             <a:extLst>
               <a:ext uri="{FF2B5EF4-FFF2-40B4-BE49-F238E27FC236}">
-                <a16:creationId xmlns:a16="http://schemas.microsoft.com/office/drawing/2014/main" id="{8AF334AD-FB29-4355-B5CF-85E61B4F3409}"/>
+                <a16:creationId xmlns:a16="http://schemas.microsoft.com/office/drawing/2014/main" xmlns="" id="{8AF334AD-FB29-4355-B5CF-85E61B4F3409}"/>
               </a:ext>
             </a:extLst>
           </p:cNvPr>
@@ -1466,7 +1474,7 @@
           <p:cNvPr id="7" name="Slide Number Placeholder 6">
             <a:extLst>
               <a:ext uri="{FF2B5EF4-FFF2-40B4-BE49-F238E27FC236}">
-                <a16:creationId xmlns:a16="http://schemas.microsoft.com/office/drawing/2014/main" id="{BA5AA154-790C-4774-9C21-8C543E733F26}"/>
+                <a16:creationId xmlns:a16="http://schemas.microsoft.com/office/drawing/2014/main" xmlns="" id="{BA5AA154-790C-4774-9C21-8C543E733F26}"/>
               </a:ext>
             </a:extLst>
           </p:cNvPr>
@@ -1525,7 +1533,7 @@
           <p:cNvPr id="2" name="Title 1">
             <a:extLst>
               <a:ext uri="{FF2B5EF4-FFF2-40B4-BE49-F238E27FC236}">
-                <a16:creationId xmlns:a16="http://schemas.microsoft.com/office/drawing/2014/main" id="{9E07DD35-7673-4F88-86B0-634883B5E345}"/>
+                <a16:creationId xmlns:a16="http://schemas.microsoft.com/office/drawing/2014/main" xmlns="" id="{9E07DD35-7673-4F88-86B0-634883B5E345}"/>
               </a:ext>
             </a:extLst>
           </p:cNvPr>
@@ -1559,7 +1567,7 @@
           <p:cNvPr id="3" name="Text Placeholder 2">
             <a:extLst>
               <a:ext uri="{FF2B5EF4-FFF2-40B4-BE49-F238E27FC236}">
-                <a16:creationId xmlns:a16="http://schemas.microsoft.com/office/drawing/2014/main" id="{5EC820D7-3E0B-47C6-A583-C4C839C5AF03}"/>
+                <a16:creationId xmlns:a16="http://schemas.microsoft.com/office/drawing/2014/main" xmlns="" id="{5EC820D7-3E0B-47C6-A583-C4C839C5AF03}"/>
               </a:ext>
             </a:extLst>
           </p:cNvPr>
@@ -1634,7 +1642,7 @@
           <p:cNvPr id="4" name="Content Placeholder 3">
             <a:extLst>
               <a:ext uri="{FF2B5EF4-FFF2-40B4-BE49-F238E27FC236}">
-                <a16:creationId xmlns:a16="http://schemas.microsoft.com/office/drawing/2014/main" id="{6A839A7B-97D5-400F-B802-A0FF28FE9F15}"/>
+                <a16:creationId xmlns:a16="http://schemas.microsoft.com/office/drawing/2014/main" xmlns="" id="{6A839A7B-97D5-400F-B802-A0FF28FE9F15}"/>
               </a:ext>
             </a:extLst>
           </p:cNvPr>
@@ -1697,7 +1705,7 @@
           <p:cNvPr id="5" name="Text Placeholder 4">
             <a:extLst>
               <a:ext uri="{FF2B5EF4-FFF2-40B4-BE49-F238E27FC236}">
-                <a16:creationId xmlns:a16="http://schemas.microsoft.com/office/drawing/2014/main" id="{C2E0ECA2-DBF1-4681-9DFA-93AFD1B371DB}"/>
+                <a16:creationId xmlns:a16="http://schemas.microsoft.com/office/drawing/2014/main" xmlns="" id="{C2E0ECA2-DBF1-4681-9DFA-93AFD1B371DB}"/>
               </a:ext>
             </a:extLst>
           </p:cNvPr>
@@ -1772,7 +1780,7 @@
           <p:cNvPr id="6" name="Content Placeholder 5">
             <a:extLst>
               <a:ext uri="{FF2B5EF4-FFF2-40B4-BE49-F238E27FC236}">
-                <a16:creationId xmlns:a16="http://schemas.microsoft.com/office/drawing/2014/main" id="{390EBBBB-517F-4ED7-9E51-CF0F7590B4D4}"/>
+                <a16:creationId xmlns:a16="http://schemas.microsoft.com/office/drawing/2014/main" xmlns="" id="{390EBBBB-517F-4ED7-9E51-CF0F7590B4D4}"/>
               </a:ext>
             </a:extLst>
           </p:cNvPr>
@@ -1835,7 +1843,7 @@
           <p:cNvPr id="7" name="Date Placeholder 6">
             <a:extLst>
               <a:ext uri="{FF2B5EF4-FFF2-40B4-BE49-F238E27FC236}">
-                <a16:creationId xmlns:a16="http://schemas.microsoft.com/office/drawing/2014/main" id="{2511B5C7-1E37-478F-B4B0-C7202FFE41B9}"/>
+                <a16:creationId xmlns:a16="http://schemas.microsoft.com/office/drawing/2014/main" xmlns="" id="{2511B5C7-1E37-478F-B4B0-C7202FFE41B9}"/>
               </a:ext>
             </a:extLst>
           </p:cNvPr>
@@ -1853,7 +1861,7 @@
           <a:p>
             <a:fld id="{D0378EFB-9159-4510-B73F-4F0409ADE937}" type="datetime1">
               <a:rPr lang="en-US" smtClean="0"/>
-              <a:t>5/19/2025</a:t>
+              <a:t>5/21/2025</a:t>
             </a:fld>
             <a:endParaRPr lang="en-US"/>
           </a:p>
@@ -1864,7 +1872,7 @@
           <p:cNvPr id="8" name="Footer Placeholder 7">
             <a:extLst>
               <a:ext uri="{FF2B5EF4-FFF2-40B4-BE49-F238E27FC236}">
-                <a16:creationId xmlns:a16="http://schemas.microsoft.com/office/drawing/2014/main" id="{9153F7EF-507C-4CB3-86C5-8B34FFFC1D86}"/>
+                <a16:creationId xmlns:a16="http://schemas.microsoft.com/office/drawing/2014/main" xmlns="" id="{9153F7EF-507C-4CB3-86C5-8B34FFFC1D86}"/>
               </a:ext>
             </a:extLst>
           </p:cNvPr>
@@ -1889,7 +1897,7 @@
           <p:cNvPr id="9" name="Slide Number Placeholder 8">
             <a:extLst>
               <a:ext uri="{FF2B5EF4-FFF2-40B4-BE49-F238E27FC236}">
-                <a16:creationId xmlns:a16="http://schemas.microsoft.com/office/drawing/2014/main" id="{58E3DEA6-E4EB-4C2A-8B4F-55EC965B6219}"/>
+                <a16:creationId xmlns:a16="http://schemas.microsoft.com/office/drawing/2014/main" xmlns="" id="{58E3DEA6-E4EB-4C2A-8B4F-55EC965B6219}"/>
               </a:ext>
             </a:extLst>
           </p:cNvPr>
@@ -1948,7 +1956,7 @@
           <p:cNvPr id="2" name="Title 1">
             <a:extLst>
               <a:ext uri="{FF2B5EF4-FFF2-40B4-BE49-F238E27FC236}">
-                <a16:creationId xmlns:a16="http://schemas.microsoft.com/office/drawing/2014/main" id="{38032964-A933-4B98-A141-A4B316DAFA9F}"/>
+                <a16:creationId xmlns:a16="http://schemas.microsoft.com/office/drawing/2014/main" xmlns="" id="{38032964-A933-4B98-A141-A4B316DAFA9F}"/>
               </a:ext>
             </a:extLst>
           </p:cNvPr>
@@ -1977,7 +1985,7 @@
           <p:cNvPr id="3" name="Date Placeholder 2">
             <a:extLst>
               <a:ext uri="{FF2B5EF4-FFF2-40B4-BE49-F238E27FC236}">
-                <a16:creationId xmlns:a16="http://schemas.microsoft.com/office/drawing/2014/main" id="{5D684C9D-23DA-42B0-9DD3-7592F72E8DC9}"/>
+                <a16:creationId xmlns:a16="http://schemas.microsoft.com/office/drawing/2014/main" xmlns="" id="{5D684C9D-23DA-42B0-9DD3-7592F72E8DC9}"/>
               </a:ext>
             </a:extLst>
           </p:cNvPr>
@@ -1995,7 +2003,7 @@
           <a:p>
             <a:fld id="{89BC9412-2452-4BED-A324-9D8C115361AD}" type="datetime1">
               <a:rPr lang="en-US" smtClean="0"/>
-              <a:t>5/19/2025</a:t>
+              <a:t>5/21/2025</a:t>
             </a:fld>
             <a:endParaRPr lang="en-US"/>
           </a:p>
@@ -2006,7 +2014,7 @@
           <p:cNvPr id="4" name="Footer Placeholder 3">
             <a:extLst>
               <a:ext uri="{FF2B5EF4-FFF2-40B4-BE49-F238E27FC236}">
-                <a16:creationId xmlns:a16="http://schemas.microsoft.com/office/drawing/2014/main" id="{68BF8F05-876F-49D8-AE30-5BB2A91ECD59}"/>
+                <a16:creationId xmlns:a16="http://schemas.microsoft.com/office/drawing/2014/main" xmlns="" id="{68BF8F05-876F-49D8-AE30-5BB2A91ECD59}"/>
               </a:ext>
             </a:extLst>
           </p:cNvPr>
@@ -2031,7 +2039,7 @@
           <p:cNvPr id="5" name="Slide Number Placeholder 4">
             <a:extLst>
               <a:ext uri="{FF2B5EF4-FFF2-40B4-BE49-F238E27FC236}">
-                <a16:creationId xmlns:a16="http://schemas.microsoft.com/office/drawing/2014/main" id="{153D20DA-9260-4577-BB51-789570A243AF}"/>
+                <a16:creationId xmlns:a16="http://schemas.microsoft.com/office/drawing/2014/main" xmlns="" id="{153D20DA-9260-4577-BB51-789570A243AF}"/>
               </a:ext>
             </a:extLst>
           </p:cNvPr>
@@ -2090,7 +2098,7 @@
           <p:cNvPr id="2" name="Date Placeholder 1">
             <a:extLst>
               <a:ext uri="{FF2B5EF4-FFF2-40B4-BE49-F238E27FC236}">
-                <a16:creationId xmlns:a16="http://schemas.microsoft.com/office/drawing/2014/main" id="{AD2C1F24-E0A1-45A7-8EF5-92CD9799341C}"/>
+                <a16:creationId xmlns:a16="http://schemas.microsoft.com/office/drawing/2014/main" xmlns="" id="{AD2C1F24-E0A1-45A7-8EF5-92CD9799341C}"/>
               </a:ext>
             </a:extLst>
           </p:cNvPr>
@@ -2108,7 +2116,7 @@
           <a:p>
             <a:fld id="{F5318F62-D251-40E8-A23C-F4CFE9FEAB41}" type="datetime1">
               <a:rPr lang="en-US" smtClean="0"/>
-              <a:t>5/19/2025</a:t>
+              <a:t>5/21/2025</a:t>
             </a:fld>
             <a:endParaRPr lang="en-US"/>
           </a:p>
@@ -2119,7 +2127,7 @@
           <p:cNvPr id="3" name="Footer Placeholder 2">
             <a:extLst>
               <a:ext uri="{FF2B5EF4-FFF2-40B4-BE49-F238E27FC236}">
-                <a16:creationId xmlns:a16="http://schemas.microsoft.com/office/drawing/2014/main" id="{3E021C19-210E-46B0-9036-5D8AECC9260C}"/>
+                <a16:creationId xmlns:a16="http://schemas.microsoft.com/office/drawing/2014/main" xmlns="" id="{3E021C19-210E-46B0-9036-5D8AECC9260C}"/>
               </a:ext>
             </a:extLst>
           </p:cNvPr>
@@ -2144,7 +2152,7 @@
           <p:cNvPr id="4" name="Slide Number Placeholder 3">
             <a:extLst>
               <a:ext uri="{FF2B5EF4-FFF2-40B4-BE49-F238E27FC236}">
-                <a16:creationId xmlns:a16="http://schemas.microsoft.com/office/drawing/2014/main" id="{1A880FEF-487E-44DF-8615-DF2210419602}"/>
+                <a16:creationId xmlns:a16="http://schemas.microsoft.com/office/drawing/2014/main" xmlns="" id="{1A880FEF-487E-44DF-8615-DF2210419602}"/>
               </a:ext>
             </a:extLst>
           </p:cNvPr>
@@ -2203,7 +2211,7 @@
           <p:cNvPr id="2" name="Title 1">
             <a:extLst>
               <a:ext uri="{FF2B5EF4-FFF2-40B4-BE49-F238E27FC236}">
-                <a16:creationId xmlns:a16="http://schemas.microsoft.com/office/drawing/2014/main" id="{11A568EE-74C8-43A6-90BC-2DDD965CF64A}"/>
+                <a16:creationId xmlns:a16="http://schemas.microsoft.com/office/drawing/2014/main" xmlns="" id="{11A568EE-74C8-43A6-90BC-2DDD965CF64A}"/>
               </a:ext>
             </a:extLst>
           </p:cNvPr>
@@ -2241,7 +2249,7 @@
           <p:cNvPr id="3" name="Content Placeholder 2">
             <a:extLst>
               <a:ext uri="{FF2B5EF4-FFF2-40B4-BE49-F238E27FC236}">
-                <a16:creationId xmlns:a16="http://schemas.microsoft.com/office/drawing/2014/main" id="{971C35AC-CAE3-48CF-A3E4-A075C9FDD71B}"/>
+                <a16:creationId xmlns:a16="http://schemas.microsoft.com/office/drawing/2014/main" xmlns="" id="{971C35AC-CAE3-48CF-A3E4-A075C9FDD71B}"/>
               </a:ext>
             </a:extLst>
           </p:cNvPr>
@@ -2332,7 +2340,7 @@
           <p:cNvPr id="4" name="Text Placeholder 3">
             <a:extLst>
               <a:ext uri="{FF2B5EF4-FFF2-40B4-BE49-F238E27FC236}">
-                <a16:creationId xmlns:a16="http://schemas.microsoft.com/office/drawing/2014/main" id="{2D9D03EA-5FAD-4609-A2B8-624E426847E3}"/>
+                <a16:creationId xmlns:a16="http://schemas.microsoft.com/office/drawing/2014/main" xmlns="" id="{2D9D03EA-5FAD-4609-A2B8-624E426847E3}"/>
               </a:ext>
             </a:extLst>
           </p:cNvPr>
@@ -2403,7 +2411,7 @@
           <p:cNvPr id="5" name="Date Placeholder 4">
             <a:extLst>
               <a:ext uri="{FF2B5EF4-FFF2-40B4-BE49-F238E27FC236}">
-                <a16:creationId xmlns:a16="http://schemas.microsoft.com/office/drawing/2014/main" id="{0B58D2EA-2191-4216-B64D-067BDFE12375}"/>
+                <a16:creationId xmlns:a16="http://schemas.microsoft.com/office/drawing/2014/main" xmlns="" id="{0B58D2EA-2191-4216-B64D-067BDFE12375}"/>
               </a:ext>
             </a:extLst>
           </p:cNvPr>
@@ -2421,7 +2429,7 @@
           <a:p>
             <a:fld id="{44F76144-149E-4874-93A5-554A0357CF82}" type="datetime1">
               <a:rPr lang="en-US" smtClean="0"/>
-              <a:t>5/19/2025</a:t>
+              <a:t>5/21/2025</a:t>
             </a:fld>
             <a:endParaRPr lang="en-US"/>
           </a:p>
@@ -2432,7 +2440,7 @@
           <p:cNvPr id="6" name="Footer Placeholder 5">
             <a:extLst>
               <a:ext uri="{FF2B5EF4-FFF2-40B4-BE49-F238E27FC236}">
-                <a16:creationId xmlns:a16="http://schemas.microsoft.com/office/drawing/2014/main" id="{78042128-DAB4-481C-BEE6-3523E8E88BAD}"/>
+                <a16:creationId xmlns:a16="http://schemas.microsoft.com/office/drawing/2014/main" xmlns="" id="{78042128-DAB4-481C-BEE6-3523E8E88BAD}"/>
               </a:ext>
             </a:extLst>
           </p:cNvPr>
@@ -2457,7 +2465,7 @@
           <p:cNvPr id="7" name="Slide Number Placeholder 6">
             <a:extLst>
               <a:ext uri="{FF2B5EF4-FFF2-40B4-BE49-F238E27FC236}">
-                <a16:creationId xmlns:a16="http://schemas.microsoft.com/office/drawing/2014/main" id="{AE50E382-C500-4A4C-A7C6-43860383AB91}"/>
+                <a16:creationId xmlns:a16="http://schemas.microsoft.com/office/drawing/2014/main" xmlns="" id="{AE50E382-C500-4A4C-A7C6-43860383AB91}"/>
               </a:ext>
             </a:extLst>
           </p:cNvPr>
@@ -2516,7 +2524,7 @@
           <p:cNvPr id="2" name="Title 1">
             <a:extLst>
               <a:ext uri="{FF2B5EF4-FFF2-40B4-BE49-F238E27FC236}">
-                <a16:creationId xmlns:a16="http://schemas.microsoft.com/office/drawing/2014/main" id="{139FE98B-EACF-4251-A8AF-0D9EDD17C664}"/>
+                <a16:creationId xmlns:a16="http://schemas.microsoft.com/office/drawing/2014/main" xmlns="" id="{139FE98B-EACF-4251-A8AF-0D9EDD17C664}"/>
               </a:ext>
             </a:extLst>
           </p:cNvPr>
@@ -2554,7 +2562,7 @@
           <p:cNvPr id="3" name="Picture Placeholder 2">
             <a:extLst>
               <a:ext uri="{FF2B5EF4-FFF2-40B4-BE49-F238E27FC236}">
-                <a16:creationId xmlns:a16="http://schemas.microsoft.com/office/drawing/2014/main" id="{3905F473-761A-4002-AF70-9FF878D0139E}"/>
+                <a16:creationId xmlns:a16="http://schemas.microsoft.com/office/drawing/2014/main" xmlns="" id="{3905F473-761A-4002-AF70-9FF878D0139E}"/>
               </a:ext>
             </a:extLst>
           </p:cNvPr>
@@ -2625,7 +2633,7 @@
           <p:cNvPr id="4" name="Text Placeholder 3">
             <a:extLst>
               <a:ext uri="{FF2B5EF4-FFF2-40B4-BE49-F238E27FC236}">
-                <a16:creationId xmlns:a16="http://schemas.microsoft.com/office/drawing/2014/main" id="{FA0C2E6A-F834-4540-BB00-E13CB45DC362}"/>
+                <a16:creationId xmlns:a16="http://schemas.microsoft.com/office/drawing/2014/main" xmlns="" id="{FA0C2E6A-F834-4540-BB00-E13CB45DC362}"/>
               </a:ext>
             </a:extLst>
           </p:cNvPr>
@@ -2696,7 +2704,7 @@
           <p:cNvPr id="5" name="Date Placeholder 4">
             <a:extLst>
               <a:ext uri="{FF2B5EF4-FFF2-40B4-BE49-F238E27FC236}">
-                <a16:creationId xmlns:a16="http://schemas.microsoft.com/office/drawing/2014/main" id="{F0C38EAB-AD63-415C-B263-BA1D8FBE3CB0}"/>
+                <a16:creationId xmlns:a16="http://schemas.microsoft.com/office/drawing/2014/main" xmlns="" id="{F0C38EAB-AD63-415C-B263-BA1D8FBE3CB0}"/>
               </a:ext>
             </a:extLst>
           </p:cNvPr>
@@ -2714,7 +2722,7 @@
           <a:p>
             <a:fld id="{50BA65D8-0540-4835-AE5C-25D29DBA01BE}" type="datetime1">
               <a:rPr lang="en-US" smtClean="0"/>
-              <a:t>5/19/2025</a:t>
+              <a:t>5/21/2025</a:t>
             </a:fld>
             <a:endParaRPr lang="en-US"/>
           </a:p>
@@ -2725,7 +2733,7 @@
           <p:cNvPr id="6" name="Footer Placeholder 5">
             <a:extLst>
               <a:ext uri="{FF2B5EF4-FFF2-40B4-BE49-F238E27FC236}">
-                <a16:creationId xmlns:a16="http://schemas.microsoft.com/office/drawing/2014/main" id="{422E5541-B6DE-45E8-BCFE-0DFC4F574079}"/>
+                <a16:creationId xmlns:a16="http://schemas.microsoft.com/office/drawing/2014/main" xmlns="" id="{422E5541-B6DE-45E8-BCFE-0DFC4F574079}"/>
               </a:ext>
             </a:extLst>
           </p:cNvPr>
@@ -2750,7 +2758,7 @@
           <p:cNvPr id="7" name="Slide Number Placeholder 6">
             <a:extLst>
               <a:ext uri="{FF2B5EF4-FFF2-40B4-BE49-F238E27FC236}">
-                <a16:creationId xmlns:a16="http://schemas.microsoft.com/office/drawing/2014/main" id="{DBB78D45-289B-46AF-8CB9-E6150BEA17ED}"/>
+                <a16:creationId xmlns:a16="http://schemas.microsoft.com/office/drawing/2014/main" xmlns="" id="{DBB78D45-289B-46AF-8CB9-E6150BEA17ED}"/>
               </a:ext>
             </a:extLst>
           </p:cNvPr>
@@ -2814,7 +2822,7 @@
           <p:cNvPr id="2" name="Title Placeholder 1">
             <a:extLst>
               <a:ext uri="{FF2B5EF4-FFF2-40B4-BE49-F238E27FC236}">
-                <a16:creationId xmlns:a16="http://schemas.microsoft.com/office/drawing/2014/main" id="{47A362AC-B59F-4AC7-B279-57DDD5336BCA}"/>
+                <a16:creationId xmlns:a16="http://schemas.microsoft.com/office/drawing/2014/main" xmlns="" id="{47A362AC-B59F-4AC7-B279-57DDD5336BCA}"/>
               </a:ext>
             </a:extLst>
           </p:cNvPr>
@@ -2853,7 +2861,7 @@
           <p:cNvPr id="3" name="Text Placeholder 2">
             <a:extLst>
               <a:ext uri="{FF2B5EF4-FFF2-40B4-BE49-F238E27FC236}">
-                <a16:creationId xmlns:a16="http://schemas.microsoft.com/office/drawing/2014/main" id="{0E6042DB-75BD-4EC1-B6D9-8A72EF940CAA}"/>
+                <a16:creationId xmlns:a16="http://schemas.microsoft.com/office/drawing/2014/main" xmlns="" id="{0E6042DB-75BD-4EC1-B6D9-8A72EF940CAA}"/>
               </a:ext>
             </a:extLst>
           </p:cNvPr>
@@ -2921,7 +2929,7 @@
           <p:cNvPr id="4" name="Date Placeholder 3">
             <a:extLst>
               <a:ext uri="{FF2B5EF4-FFF2-40B4-BE49-F238E27FC236}">
-                <a16:creationId xmlns:a16="http://schemas.microsoft.com/office/drawing/2014/main" id="{21DD1378-7C96-4079-B44C-3D86B4657596}"/>
+                <a16:creationId xmlns:a16="http://schemas.microsoft.com/office/drawing/2014/main" xmlns="" id="{21DD1378-7C96-4079-B44C-3D86B4657596}"/>
               </a:ext>
             </a:extLst>
           </p:cNvPr>
@@ -2956,7 +2964,7 @@
           <a:p>
             <a:fld id="{E31BA835-12AC-4E8F-955A-EA3F4DE2791F}" type="datetime1">
               <a:rPr lang="en-US" smtClean="0"/>
-              <a:t>5/19/2025</a:t>
+              <a:t>5/21/2025</a:t>
             </a:fld>
             <a:endParaRPr lang="en-US"/>
           </a:p>
@@ -2967,7 +2975,7 @@
           <p:cNvPr id="5" name="Footer Placeholder 4">
             <a:extLst>
               <a:ext uri="{FF2B5EF4-FFF2-40B4-BE49-F238E27FC236}">
-                <a16:creationId xmlns:a16="http://schemas.microsoft.com/office/drawing/2014/main" id="{D19B6B78-577F-43F5-BAEE-BF72484C9850}"/>
+                <a16:creationId xmlns:a16="http://schemas.microsoft.com/office/drawing/2014/main" xmlns="" id="{D19B6B78-577F-43F5-BAEE-BF72484C9850}"/>
               </a:ext>
             </a:extLst>
           </p:cNvPr>
@@ -3009,7 +3017,7 @@
           <p:cNvPr id="6" name="Slide Number Placeholder 5">
             <a:extLst>
               <a:ext uri="{FF2B5EF4-FFF2-40B4-BE49-F238E27FC236}">
-                <a16:creationId xmlns:a16="http://schemas.microsoft.com/office/drawing/2014/main" id="{A8CC75B8-AF8F-4D8A-9B3D-D1951A64BADB}"/>
+                <a16:creationId xmlns:a16="http://schemas.microsoft.com/office/drawing/2014/main" xmlns="" id="{A8CC75B8-AF8F-4D8A-9B3D-D1951A64BADB}"/>
               </a:ext>
             </a:extLst>
           </p:cNvPr>
@@ -3054,7 +3062,7 @@
           <p:cNvPr id="7" name="Straight Connector 6">
             <a:extLst>
               <a:ext uri="{FF2B5EF4-FFF2-40B4-BE49-F238E27FC236}">
-                <a16:creationId xmlns:a16="http://schemas.microsoft.com/office/drawing/2014/main" id="{F64F9B95-9045-48D2-B9F3-2927E98F54AA}"/>
+                <a16:creationId xmlns:a16="http://schemas.microsoft.com/office/drawing/2014/main" xmlns="" id="{F64F9B95-9045-48D2-B9F3-2927E98F54AA}"/>
               </a:ext>
             </a:extLst>
           </p:cNvPr>
@@ -3097,7 +3105,7 @@
           <p:cNvPr id="8" name="Straight Connector 7">
             <a:extLst>
               <a:ext uri="{FF2B5EF4-FFF2-40B4-BE49-F238E27FC236}">
-                <a16:creationId xmlns:a16="http://schemas.microsoft.com/office/drawing/2014/main" id="{085AA86F-6A4D-4BCB-A045-D992CDC2959B}"/>
+                <a16:creationId xmlns:a16="http://schemas.microsoft.com/office/drawing/2014/main" xmlns="" id="{085AA86F-6A4D-4BCB-A045-D992CDC2959B}"/>
               </a:ext>
             </a:extLst>
           </p:cNvPr>
@@ -3470,10 +3478,10 @@
           <p:cNvPr id="20" name="Rectangle 19">
             <a:extLst>
               <a:ext uri="{FF2B5EF4-FFF2-40B4-BE49-F238E27FC236}">
-                <a16:creationId xmlns:a16="http://schemas.microsoft.com/office/drawing/2014/main" id="{E49D7415-2F11-44C2-B6AA-13A25B6814B9}"/>
+                <a16:creationId xmlns:a16="http://schemas.microsoft.com/office/drawing/2014/main" xmlns="" id="{E49D7415-2F11-44C2-B6AA-13A25B6814B9}"/>
               </a:ext>
               <a:ext uri="{C183D7F6-B498-43B3-948B-1728B52AA6E4}">
-                <adec:decorative xmlns:adec="http://schemas.microsoft.com/office/drawing/2017/decorative" val="1"/>
+                <adec:decorative xmlns:adec="http://schemas.microsoft.com/office/drawing/2017/decorative" xmlns="" val="1"/>
               </a:ext>
             </a:extLst>
           </p:cNvPr>
@@ -3483,7 +3491,7 @@
           <p:nvPr>
             <p:extLst>
               <p:ext uri="{386F3935-93C4-4BCD-93E2-E3B085C9AB24}">
-                <p16:designElem xmlns:p16="http://schemas.microsoft.com/office/powerpoint/2015/main" val="1"/>
+                <p16:designElem xmlns:p16="http://schemas.microsoft.com/office/powerpoint/2015/main" xmlns="" val="1"/>
               </p:ext>
             </p:extLst>
           </p:nvPr>
@@ -3546,7 +3554,7 @@
           <p:cNvPr id="2" name="Title 1">
             <a:extLst>
               <a:ext uri="{FF2B5EF4-FFF2-40B4-BE49-F238E27FC236}">
-                <a16:creationId xmlns:a16="http://schemas.microsoft.com/office/drawing/2014/main" id="{277EC37F-B6C1-F905-6BEF-09073B003B29}"/>
+                <a16:creationId xmlns:a16="http://schemas.microsoft.com/office/drawing/2014/main" xmlns="" id="{277EC37F-B6C1-F905-6BEF-09073B003B29}"/>
               </a:ext>
             </a:extLst>
           </p:cNvPr>
@@ -3581,7 +3589,7 @@
           <p:cNvPr id="4" name="Content Placeholder 3" descr="A white and blue room with blue sky&#10;&#10;AI-generated content may be incorrect.">
             <a:extLst>
               <a:ext uri="{FF2B5EF4-FFF2-40B4-BE49-F238E27FC236}">
-                <a16:creationId xmlns:a16="http://schemas.microsoft.com/office/drawing/2014/main" id="{90A1A975-94E4-CF77-00AC-DA282AB2C7E0}"/>
+                <a16:creationId xmlns:a16="http://schemas.microsoft.com/office/drawing/2014/main" xmlns="" id="{90A1A975-94E4-CF77-00AC-DA282AB2C7E0}"/>
               </a:ext>
             </a:extLst>
           </p:cNvPr>
@@ -3614,10 +3622,10 @@
           <p:cNvPr id="22" name="Straight Connector 21">
             <a:extLst>
               <a:ext uri="{FF2B5EF4-FFF2-40B4-BE49-F238E27FC236}">
-                <a16:creationId xmlns:a16="http://schemas.microsoft.com/office/drawing/2014/main" id="{511FC409-B3C2-4F68-865C-C5333D6F2710}"/>
+                <a16:creationId xmlns:a16="http://schemas.microsoft.com/office/drawing/2014/main" xmlns="" id="{511FC409-B3C2-4F68-865C-C5333D6F2710}"/>
               </a:ext>
               <a:ext uri="{C183D7F6-B498-43B3-948B-1728B52AA6E4}">
-                <adec:decorative xmlns:adec="http://schemas.microsoft.com/office/drawing/2017/decorative" val="1"/>
+                <adec:decorative xmlns:adec="http://schemas.microsoft.com/office/drawing/2017/decorative" xmlns="" val="1"/>
               </a:ext>
             </a:extLst>
           </p:cNvPr>
@@ -3627,7 +3635,7 @@
           <p:nvPr>
             <p:extLst>
               <p:ext uri="{386F3935-93C4-4BCD-93E2-E3B085C9AB24}">
-                <p16:designElem xmlns:p16="http://schemas.microsoft.com/office/powerpoint/2015/main" val="1"/>
+                <p16:designElem xmlns:p16="http://schemas.microsoft.com/office/powerpoint/2015/main" xmlns="" val="1"/>
               </p:ext>
             </p:extLst>
           </p:nvPr>
@@ -3666,7 +3674,7 @@
           <p:cNvPr id="5" name="TextBox 4">
             <a:extLst>
               <a:ext uri="{FF2B5EF4-FFF2-40B4-BE49-F238E27FC236}">
-                <a16:creationId xmlns:a16="http://schemas.microsoft.com/office/drawing/2014/main" id="{5C3275C2-2001-8E3B-E0CB-39164C9D5CBC}"/>
+                <a16:creationId xmlns:a16="http://schemas.microsoft.com/office/drawing/2014/main" xmlns="" id="{5C3275C2-2001-8E3B-E0CB-39164C9D5CBC}"/>
               </a:ext>
             </a:extLst>
           </p:cNvPr>
@@ -3814,10 +3822,10 @@
           <p:cNvPr id="24" name="Straight Connector 23">
             <a:extLst>
               <a:ext uri="{FF2B5EF4-FFF2-40B4-BE49-F238E27FC236}">
-                <a16:creationId xmlns:a16="http://schemas.microsoft.com/office/drawing/2014/main" id="{B810270D-76A7-44B3-9746-7EDF5788602E}"/>
+                <a16:creationId xmlns:a16="http://schemas.microsoft.com/office/drawing/2014/main" xmlns="" id="{B810270D-76A7-44B3-9746-7EDF5788602E}"/>
               </a:ext>
               <a:ext uri="{C183D7F6-B498-43B3-948B-1728B52AA6E4}">
-                <adec:decorative xmlns:adec="http://schemas.microsoft.com/office/drawing/2017/decorative" val="1"/>
+                <adec:decorative xmlns:adec="http://schemas.microsoft.com/office/drawing/2017/decorative" xmlns="" val="1"/>
               </a:ext>
             </a:extLst>
           </p:cNvPr>
@@ -3827,7 +3835,7 @@
           <p:nvPr>
             <p:extLst>
               <p:ext uri="{386F3935-93C4-4BCD-93E2-E3B085C9AB24}">
-                <p16:designElem xmlns:p16="http://schemas.microsoft.com/office/powerpoint/2015/main" val="1"/>
+                <p16:designElem xmlns:p16="http://schemas.microsoft.com/office/powerpoint/2015/main" xmlns="" val="1"/>
               </p:ext>
             </p:extLst>
           </p:nvPr>
@@ -3904,10 +3912,10 @@
           <p:cNvPr id="9" name="Rectangle 8">
             <a:extLst>
               <a:ext uri="{FF2B5EF4-FFF2-40B4-BE49-F238E27FC236}">
-                <a16:creationId xmlns:a16="http://schemas.microsoft.com/office/drawing/2014/main" id="{80B98925-0550-1AFB-C1DC-02792400FB71}"/>
+                <a16:creationId xmlns:a16="http://schemas.microsoft.com/office/drawing/2014/main" xmlns="" id="{80B98925-0550-1AFB-C1DC-02792400FB71}"/>
               </a:ext>
               <a:ext uri="{C183D7F6-B498-43B3-948B-1728B52AA6E4}">
-                <adec:decorative xmlns:adec="http://schemas.microsoft.com/office/drawing/2017/decorative" val="1"/>
+                <adec:decorative xmlns:adec="http://schemas.microsoft.com/office/drawing/2017/decorative" xmlns="" val="1"/>
               </a:ext>
             </a:extLst>
           </p:cNvPr>
@@ -3917,7 +3925,7 @@
           <p:nvPr>
             <p:extLst>
               <p:ext uri="{386F3935-93C4-4BCD-93E2-E3B085C9AB24}">
-                <p16:designElem xmlns:p16="http://schemas.microsoft.com/office/powerpoint/2015/main" val="1"/>
+                <p16:designElem xmlns:p16="http://schemas.microsoft.com/office/powerpoint/2015/main" xmlns="" val="1"/>
               </p:ext>
             </p:extLst>
           </p:nvPr>
@@ -4012,7 +4020,7 @@
           <p:cNvPr id="4" name="Picture 3" descr="A white and blue room with blue sky&#10;&#10;AI-generated content may be incorrect.">
             <a:extLst>
               <a:ext uri="{FF2B5EF4-FFF2-40B4-BE49-F238E27FC236}">
-                <a16:creationId xmlns:a16="http://schemas.microsoft.com/office/drawing/2014/main" id="{36CE6427-7899-688F-3128-1CE9BF0EC21E}"/>
+                <a16:creationId xmlns:a16="http://schemas.microsoft.com/office/drawing/2014/main" xmlns="" id="{36CE6427-7899-688F-3128-1CE9BF0EC21E}"/>
               </a:ext>
             </a:extLst>
           </p:cNvPr>
@@ -4043,10 +4051,10 @@
           <p:cNvPr id="11" name="Rectangle 10">
             <a:extLst>
               <a:ext uri="{FF2B5EF4-FFF2-40B4-BE49-F238E27FC236}">
-                <a16:creationId xmlns:a16="http://schemas.microsoft.com/office/drawing/2014/main" id="{0CCA9273-E74E-A306-1F74-BEF9EDA30500}"/>
+                <a16:creationId xmlns:a16="http://schemas.microsoft.com/office/drawing/2014/main" xmlns="" id="{0CCA9273-E74E-A306-1F74-BEF9EDA30500}"/>
               </a:ext>
               <a:ext uri="{C183D7F6-B498-43B3-948B-1728B52AA6E4}">
-                <adec:decorative xmlns:adec="http://schemas.microsoft.com/office/drawing/2017/decorative" val="1"/>
+                <adec:decorative xmlns:adec="http://schemas.microsoft.com/office/drawing/2017/decorative" xmlns="" val="1"/>
               </a:ext>
             </a:extLst>
           </p:cNvPr>
@@ -4056,7 +4064,7 @@
           <p:nvPr>
             <p:extLst>
               <p:ext uri="{386F3935-93C4-4BCD-93E2-E3B085C9AB24}">
-                <p16:designElem xmlns:p16="http://schemas.microsoft.com/office/powerpoint/2015/main" val="1"/>
+                <p16:designElem xmlns:p16="http://schemas.microsoft.com/office/powerpoint/2015/main" xmlns="" val="1"/>
               </p:ext>
             </p:extLst>
           </p:nvPr>
@@ -4152,7 +4160,7 @@
           <p:cNvPr id="2" name="Title 1">
             <a:extLst>
               <a:ext uri="{FF2B5EF4-FFF2-40B4-BE49-F238E27FC236}">
-                <a16:creationId xmlns:a16="http://schemas.microsoft.com/office/drawing/2014/main" id="{CEC4E630-4580-706E-FD4B-475362D26051}"/>
+                <a16:creationId xmlns:a16="http://schemas.microsoft.com/office/drawing/2014/main" xmlns="" id="{CEC4E630-4580-706E-FD4B-475362D26051}"/>
               </a:ext>
             </a:extLst>
           </p:cNvPr>
@@ -4171,7 +4179,7 @@
         </p:spPr>
         <p:txBody>
           <a:bodyPr anchor="ctr">
-            <a:normAutofit/>
+            <a:normAutofit fontScale="90000"/>
           </a:bodyPr>
           <a:lstStyle/>
           <a:p>
@@ -4187,7 +4195,7 @@
           <p:cNvPr id="6" name="TextBox 5">
             <a:extLst>
               <a:ext uri="{FF2B5EF4-FFF2-40B4-BE49-F238E27FC236}">
-                <a16:creationId xmlns:a16="http://schemas.microsoft.com/office/drawing/2014/main" id="{136059E5-3263-14F5-C9FE-3F6C3E0B5C53}"/>
+                <a16:creationId xmlns:a16="http://schemas.microsoft.com/office/drawing/2014/main" xmlns="" id="{136059E5-3263-14F5-C9FE-3F6C3E0B5C53}"/>
               </a:ext>
             </a:extLst>
           </p:cNvPr>
@@ -4316,7 +4324,7 @@
           <p:cNvPr id="2" name="Title 1">
             <a:extLst>
               <a:ext uri="{FF2B5EF4-FFF2-40B4-BE49-F238E27FC236}">
-                <a16:creationId xmlns:a16="http://schemas.microsoft.com/office/drawing/2014/main" id="{8FE50611-2AA6-2C83-D68F-FA293301CE7D}"/>
+                <a16:creationId xmlns:a16="http://schemas.microsoft.com/office/drawing/2014/main" xmlns="" id="{8FE50611-2AA6-2C83-D68F-FA293301CE7D}"/>
               </a:ext>
             </a:extLst>
           </p:cNvPr>
@@ -4341,7 +4349,7 @@
           <p:cNvPr id="3" name="Content Placeholder 2">
             <a:extLst>
               <a:ext uri="{FF2B5EF4-FFF2-40B4-BE49-F238E27FC236}">
-                <a16:creationId xmlns:a16="http://schemas.microsoft.com/office/drawing/2014/main" id="{7791484A-7372-1657-96FF-A54CC3BC0347}"/>
+                <a16:creationId xmlns:a16="http://schemas.microsoft.com/office/drawing/2014/main" xmlns="" id="{7791484A-7372-1657-96FF-A54CC3BC0347}"/>
               </a:ext>
             </a:extLst>
           </p:cNvPr>
@@ -4366,7 +4374,7 @@
           <p:cNvPr id="6" name="Content Placeholder 3" descr="A white and blue room with blue sky">
             <a:extLst>
               <a:ext uri="{FF2B5EF4-FFF2-40B4-BE49-F238E27FC236}">
-                <a16:creationId xmlns:a16="http://schemas.microsoft.com/office/drawing/2014/main" id="{01E44A28-B82B-25E6-C558-2B60F2F85CB6}"/>
+                <a16:creationId xmlns:a16="http://schemas.microsoft.com/office/drawing/2014/main" xmlns="" id="{01E44A28-B82B-25E6-C558-2B60F2F85CB6}"/>
               </a:ext>
             </a:extLst>
           </p:cNvPr>
@@ -4397,7 +4405,7 @@
           <p:cNvPr id="8" name="TextBox 7">
             <a:extLst>
               <a:ext uri="{FF2B5EF4-FFF2-40B4-BE49-F238E27FC236}">
-                <a16:creationId xmlns:a16="http://schemas.microsoft.com/office/drawing/2014/main" id="{237F59D5-48D9-1AD8-3831-3337B87EB9A4}"/>
+                <a16:creationId xmlns:a16="http://schemas.microsoft.com/office/drawing/2014/main" xmlns="" id="{237F59D5-48D9-1AD8-3831-3337B87EB9A4}"/>
               </a:ext>
             </a:extLst>
           </p:cNvPr>
@@ -4600,7 +4608,7 @@
           <p:cNvPr id="10" name="TextBox 9">
             <a:extLst>
               <a:ext uri="{FF2B5EF4-FFF2-40B4-BE49-F238E27FC236}">
-                <a16:creationId xmlns:a16="http://schemas.microsoft.com/office/drawing/2014/main" id="{7575255B-2E75-F17A-4D1C-0B4BFA431D8D}"/>
+                <a16:creationId xmlns:a16="http://schemas.microsoft.com/office/drawing/2014/main" xmlns="" id="{7575255B-2E75-F17A-4D1C-0B4BFA431D8D}"/>
               </a:ext>
             </a:extLst>
           </p:cNvPr>
@@ -4646,7 +4654,7 @@
           <p:cNvPr id="12" name="TextBox 11">
             <a:extLst>
               <a:ext uri="{FF2B5EF4-FFF2-40B4-BE49-F238E27FC236}">
-                <a16:creationId xmlns:a16="http://schemas.microsoft.com/office/drawing/2014/main" id="{99336F48-C867-98E6-11EC-5B2A0FC6449A}"/>
+                <a16:creationId xmlns:a16="http://schemas.microsoft.com/office/drawing/2014/main" xmlns="" id="{99336F48-C867-98E6-11EC-5B2A0FC6449A}"/>
               </a:ext>
             </a:extLst>
           </p:cNvPr>
@@ -4875,10 +4883,10 @@
           <p:cNvPr id="9" name="Straight Connector 8">
             <a:extLst>
               <a:ext uri="{FF2B5EF4-FFF2-40B4-BE49-F238E27FC236}">
-                <a16:creationId xmlns:a16="http://schemas.microsoft.com/office/drawing/2014/main" id="{F64F9B95-9045-48D2-B9F3-2927E98F54AA}"/>
+                <a16:creationId xmlns:a16="http://schemas.microsoft.com/office/drawing/2014/main" xmlns="" id="{F64F9B95-9045-48D2-B9F3-2927E98F54AA}"/>
               </a:ext>
               <a:ext uri="{C183D7F6-B498-43B3-948B-1728B52AA6E4}">
-                <adec:decorative xmlns:adec="http://schemas.microsoft.com/office/drawing/2017/decorative" val="1"/>
+                <adec:decorative xmlns:adec="http://schemas.microsoft.com/office/drawing/2017/decorative" xmlns="" val="1"/>
               </a:ext>
             </a:extLst>
           </p:cNvPr>
@@ -4888,7 +4896,7 @@
           <p:nvPr>
             <p:extLst>
               <p:ext uri="{386F3935-93C4-4BCD-93E2-E3B085C9AB24}">
-                <p16:designElem xmlns:p16="http://schemas.microsoft.com/office/powerpoint/2015/main" val="1"/>
+                <p16:designElem xmlns:p16="http://schemas.microsoft.com/office/powerpoint/2015/main" xmlns="" val="1"/>
               </p:ext>
             </p:extLst>
           </p:nvPr>
@@ -4927,10 +4935,10 @@
           <p:cNvPr id="11" name="Straight Connector 10">
             <a:extLst>
               <a:ext uri="{FF2B5EF4-FFF2-40B4-BE49-F238E27FC236}">
-                <a16:creationId xmlns:a16="http://schemas.microsoft.com/office/drawing/2014/main" id="{085AA86F-6A4D-4BCB-A045-D992CDC2959B}"/>
+                <a16:creationId xmlns:a16="http://schemas.microsoft.com/office/drawing/2014/main" xmlns="" id="{085AA86F-6A4D-4BCB-A045-D992CDC2959B}"/>
               </a:ext>
               <a:ext uri="{C183D7F6-B498-43B3-948B-1728B52AA6E4}">
-                <adec:decorative xmlns:adec="http://schemas.microsoft.com/office/drawing/2017/decorative" val="1"/>
+                <adec:decorative xmlns:adec="http://schemas.microsoft.com/office/drawing/2017/decorative" xmlns="" val="1"/>
               </a:ext>
             </a:extLst>
           </p:cNvPr>
@@ -4940,7 +4948,7 @@
           <p:nvPr>
             <p:extLst>
               <p:ext uri="{386F3935-93C4-4BCD-93E2-E3B085C9AB24}">
-                <p16:designElem xmlns:p16="http://schemas.microsoft.com/office/powerpoint/2015/main" val="1"/>
+                <p16:designElem xmlns:p16="http://schemas.microsoft.com/office/powerpoint/2015/main" xmlns="" val="1"/>
               </p:ext>
             </p:extLst>
           </p:nvPr>
@@ -4979,10 +4987,10 @@
           <p:cNvPr id="13" name="Rectangle 12">
             <a:extLst>
               <a:ext uri="{FF2B5EF4-FFF2-40B4-BE49-F238E27FC236}">
-                <a16:creationId xmlns:a16="http://schemas.microsoft.com/office/drawing/2014/main" id="{80B98925-0550-1AFB-C1DC-02792400FB71}"/>
+                <a16:creationId xmlns:a16="http://schemas.microsoft.com/office/drawing/2014/main" xmlns="" id="{80B98925-0550-1AFB-C1DC-02792400FB71}"/>
               </a:ext>
               <a:ext uri="{C183D7F6-B498-43B3-948B-1728B52AA6E4}">
-                <adec:decorative xmlns:adec="http://schemas.microsoft.com/office/drawing/2017/decorative" val="1"/>
+                <adec:decorative xmlns:adec="http://schemas.microsoft.com/office/drawing/2017/decorative" xmlns="" val="1"/>
               </a:ext>
             </a:extLst>
           </p:cNvPr>
@@ -4992,7 +5000,7 @@
           <p:nvPr>
             <p:extLst>
               <p:ext uri="{386F3935-93C4-4BCD-93E2-E3B085C9AB24}">
-                <p16:designElem xmlns:p16="http://schemas.microsoft.com/office/powerpoint/2015/main" val="1"/>
+                <p16:designElem xmlns:p16="http://schemas.microsoft.com/office/powerpoint/2015/main" xmlns="" val="1"/>
               </p:ext>
             </p:extLst>
           </p:nvPr>
@@ -5087,7 +5095,7 @@
           <p:cNvPr id="4" name="Content Placeholder 3" descr="A white and blue room with blue sky&#10;&#10;AI-generated content may be incorrect.">
             <a:extLst>
               <a:ext uri="{FF2B5EF4-FFF2-40B4-BE49-F238E27FC236}">
-                <a16:creationId xmlns:a16="http://schemas.microsoft.com/office/drawing/2014/main" id="{65E3E49D-4659-1981-9BA6-4085B70B5A6B}"/>
+                <a16:creationId xmlns:a16="http://schemas.microsoft.com/office/drawing/2014/main" xmlns="" id="{65E3E49D-4659-1981-9BA6-4085B70B5A6B}"/>
               </a:ext>
             </a:extLst>
           </p:cNvPr>
@@ -5120,10 +5128,10 @@
           <p:cNvPr id="15" name="Rectangle 14">
             <a:extLst>
               <a:ext uri="{FF2B5EF4-FFF2-40B4-BE49-F238E27FC236}">
-                <a16:creationId xmlns:a16="http://schemas.microsoft.com/office/drawing/2014/main" id="{0CCA9273-E74E-A306-1F74-BEF9EDA30500}"/>
+                <a16:creationId xmlns:a16="http://schemas.microsoft.com/office/drawing/2014/main" xmlns="" id="{0CCA9273-E74E-A306-1F74-BEF9EDA30500}"/>
               </a:ext>
               <a:ext uri="{C183D7F6-B498-43B3-948B-1728B52AA6E4}">
-                <adec:decorative xmlns:adec="http://schemas.microsoft.com/office/drawing/2017/decorative" val="1"/>
+                <adec:decorative xmlns:adec="http://schemas.microsoft.com/office/drawing/2017/decorative" xmlns="" val="1"/>
               </a:ext>
             </a:extLst>
           </p:cNvPr>
@@ -5133,7 +5141,7 @@
           <p:nvPr>
             <p:extLst>
               <p:ext uri="{386F3935-93C4-4BCD-93E2-E3B085C9AB24}">
-                <p16:designElem xmlns:p16="http://schemas.microsoft.com/office/powerpoint/2015/main" val="1"/>
+                <p16:designElem xmlns:p16="http://schemas.microsoft.com/office/powerpoint/2015/main" xmlns="" val="1"/>
               </p:ext>
             </p:extLst>
           </p:nvPr>
@@ -5229,7 +5237,7 @@
           <p:cNvPr id="2" name="Title 1">
             <a:extLst>
               <a:ext uri="{FF2B5EF4-FFF2-40B4-BE49-F238E27FC236}">
-                <a16:creationId xmlns:a16="http://schemas.microsoft.com/office/drawing/2014/main" id="{610C6E2F-CED4-9700-8D9A-915856069648}"/>
+                <a16:creationId xmlns:a16="http://schemas.microsoft.com/office/drawing/2014/main" xmlns="" id="{610C6E2F-CED4-9700-8D9A-915856069648}"/>
               </a:ext>
             </a:extLst>
           </p:cNvPr>
@@ -5264,7 +5272,7 @@
           <p:cNvPr id="6" name="TextBox 5">
             <a:extLst>
               <a:ext uri="{FF2B5EF4-FFF2-40B4-BE49-F238E27FC236}">
-                <a16:creationId xmlns:a16="http://schemas.microsoft.com/office/drawing/2014/main" id="{613581B2-57AE-692A-8A8A-9AC443269F75}"/>
+                <a16:creationId xmlns:a16="http://schemas.microsoft.com/office/drawing/2014/main" xmlns="" id="{613581B2-57AE-692A-8A8A-9AC443269F75}"/>
               </a:ext>
             </a:extLst>
           </p:cNvPr>
@@ -5358,7 +5366,7 @@
           <p:cNvPr id="12" name="Picture 11" descr="A screenshot of a computer screen">
             <a:extLst>
               <a:ext uri="{FF2B5EF4-FFF2-40B4-BE49-F238E27FC236}">
-                <a16:creationId xmlns:a16="http://schemas.microsoft.com/office/drawing/2014/main" id="{B201A967-2478-9259-7E7C-4DB370D9FD1F}"/>
+                <a16:creationId xmlns:a16="http://schemas.microsoft.com/office/drawing/2014/main" xmlns="" id="{B201A967-2478-9259-7E7C-4DB370D9FD1F}"/>
               </a:ext>
             </a:extLst>
           </p:cNvPr>
@@ -5394,7 +5402,7 @@
           <p:cNvPr id="16" name="Picture 15" descr="A screenshot of a computer&#10;&#10;AI-generated content may be incorrect.">
             <a:extLst>
               <a:ext uri="{FF2B5EF4-FFF2-40B4-BE49-F238E27FC236}">
-                <a16:creationId xmlns:a16="http://schemas.microsoft.com/office/drawing/2014/main" id="{F3BF7ED7-0B0C-1858-803B-D966B4114932}"/>
+                <a16:creationId xmlns:a16="http://schemas.microsoft.com/office/drawing/2014/main" xmlns="" id="{F3BF7ED7-0B0C-1858-803B-D966B4114932}"/>
               </a:ext>
             </a:extLst>
           </p:cNvPr>
@@ -5430,7 +5438,7 @@
           <p:cNvPr id="18" name="TextBox 17">
             <a:extLst>
               <a:ext uri="{FF2B5EF4-FFF2-40B4-BE49-F238E27FC236}">
-                <a16:creationId xmlns:a16="http://schemas.microsoft.com/office/drawing/2014/main" id="{2C0B73EE-CB95-5D64-7C5D-4C9254DA069A}"/>
+                <a16:creationId xmlns:a16="http://schemas.microsoft.com/office/drawing/2014/main" xmlns="" id="{2C0B73EE-CB95-5D64-7C5D-4C9254DA069A}"/>
               </a:ext>
             </a:extLst>
           </p:cNvPr>
@@ -5628,6 +5636,2024 @@
   </p:cSld>
   <p:clrMapOvr>
     <a:overrideClrMapping bg1="dk1" tx1="lt1" bg2="dk2" tx2="lt2" accent1="accent1" accent2="accent2" accent3="accent3" accent4="accent4" accent5="accent5" accent6="accent6" hlink="hlink" folHlink="folHlink"/>
+  </p:clrMapOvr>
+</p:sld>
+</file>
+
+<file path=ppt/slides/slide5.xml><?xml version="1.0" encoding="utf-8"?>
+<p:sld xmlns:a="http://schemas.openxmlformats.org/drawingml/2006/main" xmlns:r="http://schemas.openxmlformats.org/officeDocument/2006/relationships" xmlns:p="http://schemas.openxmlformats.org/presentationml/2006/main">
+  <p:cSld>
+    <p:spTree>
+      <p:nvGrpSpPr>
+        <p:cNvPr id="1" name=""/>
+        <p:cNvGrpSpPr/>
+        <p:nvPr/>
+      </p:nvGrpSpPr>
+      <p:grpSpPr>
+        <a:xfrm>
+          <a:off x="0" y="0"/>
+          <a:ext cx="0" cy="0"/>
+          <a:chOff x="0" y="0"/>
+          <a:chExt cx="0" cy="0"/>
+        </a:xfrm>
+      </p:grpSpPr>
+      <p:sp>
+        <p:nvSpPr>
+          <p:cNvPr id="9" name="Rectangle 8">
+            <a:extLst>
+              <a:ext uri="{FF2B5EF4-FFF2-40B4-BE49-F238E27FC236}">
+                <a16:creationId xmlns:a16="http://schemas.microsoft.com/office/drawing/2014/main" xmlns="" id="{80B98925-0550-1AFB-C1DC-02792400FB71}"/>
+              </a:ext>
+              <a:ext uri="{C183D7F6-B498-43B3-948B-1728B52AA6E4}">
+                <adec:decorative xmlns:adec="http://schemas.microsoft.com/office/drawing/2017/decorative" xmlns="" val="1"/>
+              </a:ext>
+            </a:extLst>
+          </p:cNvPr>
+          <p:cNvSpPr>
+            <a:spLocks noGrp="1" noRot="1" noChangeAspect="1" noMove="1" noResize="1" noEditPoints="1" noAdjustHandles="1" noChangeArrowheads="1" noChangeShapeType="1" noTextEdit="1"/>
+          </p:cNvSpPr>
+          <p:nvPr>
+            <p:extLst>
+              <p:ext uri="{386F3935-93C4-4BCD-93E2-E3B085C9AB24}">
+                <p16:designElem xmlns:p16="http://schemas.microsoft.com/office/powerpoint/2015/main" xmlns="" val="1"/>
+              </p:ext>
+            </p:extLst>
+          </p:nvPr>
+        </p:nvSpPr>
+        <p:spPr>
+          <a:xfrm>
+            <a:off x="0" y="0"/>
+            <a:ext cx="12192000" cy="6858000"/>
+          </a:xfrm>
+          <a:prstGeom prst="rect">
+            <a:avLst/>
+          </a:prstGeom>
+          <a:solidFill>
+            <a:schemeClr val="bg1"/>
+          </a:solidFill>
+          <a:ln w="12700" cap="flat" cmpd="sng" algn="ctr">
+            <a:noFill/>
+            <a:prstDash val="solid"/>
+            <a:miter lim="800000"/>
+          </a:ln>
+          <a:effectLst/>
+          <a:extLst>
+            <a:ext uri="{91240B29-F687-4F45-9708-019B960494DF}">
+              <a14:hiddenLine xmlns:a14="http://schemas.microsoft.com/office/drawing/2010/main" w="12700" cap="flat" cmpd="sng" algn="ctr">
+                <a:solidFill>
+                  <a:schemeClr val="accent1">
+                    <a:shade val="15000"/>
+                  </a:schemeClr>
+                </a:solidFill>
+                <a:prstDash val="solid"/>
+                <a:miter lim="800000"/>
+              </a14:hiddenLine>
+            </a:ext>
+          </a:extLst>
+        </p:spPr>
+        <p:style>
+          <a:lnRef idx="2">
+            <a:schemeClr val="accent1">
+              <a:shade val="15000"/>
+            </a:schemeClr>
+          </a:lnRef>
+          <a:fillRef idx="1">
+            <a:schemeClr val="accent1"/>
+          </a:fillRef>
+          <a:effectRef idx="0">
+            <a:schemeClr val="accent1"/>
+          </a:effectRef>
+          <a:fontRef idx="minor">
+            <a:schemeClr val="lt1"/>
+          </a:fontRef>
+        </p:style>
+        <p:txBody>
+          <a:bodyPr rtlCol="0" anchor="ctr"/>
+          <a:lstStyle/>
+          <a:p>
+            <a:pPr marL="0" marR="0" lvl="0" indent="0" algn="ctr" defTabSz="914400" rtl="0" eaLnBrk="1" fontAlgn="auto" latinLnBrk="0" hangingPunct="1">
+              <a:lnSpc>
+                <a:spcPct val="100000"/>
+              </a:lnSpc>
+              <a:spcBef>
+                <a:spcPts val="0"/>
+              </a:spcBef>
+              <a:spcAft>
+                <a:spcPts val="0"/>
+              </a:spcAft>
+              <a:buClrTx/>
+              <a:buSzTx/>
+              <a:buFontTx/>
+              <a:buNone/>
+              <a:tabLst/>
+              <a:defRPr/>
+            </a:pPr>
+            <a:endParaRPr kumimoji="0" lang="en-US" sz="1800" b="0" i="0" u="none" strike="noStrike" kern="1200" cap="none" spc="0" normalizeH="0" baseline="0" noProof="0">
+              <a:ln>
+                <a:noFill/>
+              </a:ln>
+              <a:solidFill>
+                <a:srgbClr val="FFFFFF"/>
+              </a:solidFill>
+              <a:effectLst/>
+              <a:uLnTx/>
+              <a:uFillTx/>
+              <a:latin typeface="Calisto MT"/>
+              <a:ea typeface="+mn-ea"/>
+              <a:cs typeface="+mn-cs"/>
+            </a:endParaRPr>
+          </a:p>
+        </p:txBody>
+      </p:sp>
+      <p:pic>
+        <p:nvPicPr>
+          <p:cNvPr id="4" name="Picture 3" descr="A white and blue room with blue sky&#10;&#10;AI-generated content may be incorrect.">
+            <a:extLst>
+              <a:ext uri="{FF2B5EF4-FFF2-40B4-BE49-F238E27FC236}">
+                <a16:creationId xmlns:a16="http://schemas.microsoft.com/office/drawing/2014/main" xmlns="" id="{36CE6427-7899-688F-3128-1CE9BF0EC21E}"/>
+              </a:ext>
+            </a:extLst>
+          </p:cNvPr>
+          <p:cNvPicPr>
+            <a:picLocks noChangeAspect="1"/>
+          </p:cNvPicPr>
+          <p:nvPr/>
+        </p:nvPicPr>
+        <p:blipFill>
+          <a:blip r:embed="rId2"/>
+          <a:srcRect t="18510" b="6490"/>
+          <a:stretch>
+            <a:fillRect/>
+          </a:stretch>
+        </p:blipFill>
+        <p:spPr>
+          <a:xfrm>
+            <a:off x="20" y="10"/>
+            <a:ext cx="12191979" cy="6857990"/>
+          </a:xfrm>
+          <a:prstGeom prst="rect">
+            <a:avLst/>
+          </a:prstGeom>
+        </p:spPr>
+      </p:pic>
+      <p:sp>
+        <p:nvSpPr>
+          <p:cNvPr id="11" name="Rectangle 10">
+            <a:extLst>
+              <a:ext uri="{FF2B5EF4-FFF2-40B4-BE49-F238E27FC236}">
+                <a16:creationId xmlns:a16="http://schemas.microsoft.com/office/drawing/2014/main" xmlns="" id="{0CCA9273-E74E-A306-1F74-BEF9EDA30500}"/>
+              </a:ext>
+              <a:ext uri="{C183D7F6-B498-43B3-948B-1728B52AA6E4}">
+                <adec:decorative xmlns:adec="http://schemas.microsoft.com/office/drawing/2017/decorative" xmlns="" val="1"/>
+              </a:ext>
+            </a:extLst>
+          </p:cNvPr>
+          <p:cNvSpPr>
+            <a:spLocks noGrp="1" noRot="1" noChangeAspect="1" noMove="1" noResize="1" noEditPoints="1" noAdjustHandles="1" noChangeArrowheads="1" noChangeShapeType="1" noTextEdit="1"/>
+          </p:cNvSpPr>
+          <p:nvPr>
+            <p:extLst>
+              <p:ext uri="{386F3935-93C4-4BCD-93E2-E3B085C9AB24}">
+                <p16:designElem xmlns:p16="http://schemas.microsoft.com/office/powerpoint/2015/main" xmlns="" val="1"/>
+              </p:ext>
+            </p:extLst>
+          </p:nvPr>
+        </p:nvSpPr>
+        <p:spPr>
+          <a:xfrm flipV="1">
+            <a:off x="0" y="0"/>
+            <a:ext cx="12192000" cy="2462170"/>
+          </a:xfrm>
+          <a:prstGeom prst="rect">
+            <a:avLst/>
+          </a:prstGeom>
+          <a:gradFill>
+            <a:gsLst>
+              <a:gs pos="0">
+                <a:schemeClr val="bg1">
+                  <a:alpha val="0"/>
+                </a:schemeClr>
+              </a:gs>
+              <a:gs pos="48000">
+                <a:schemeClr val="bg1">
+                  <a:alpha val="17000"/>
+                </a:schemeClr>
+              </a:gs>
+              <a:gs pos="100000">
+                <a:schemeClr val="bg1">
+                  <a:alpha val="45000"/>
+                </a:schemeClr>
+              </a:gs>
+            </a:gsLst>
+            <a:lin ang="5400000" scaled="1"/>
+          </a:gradFill>
+          <a:ln>
+            <a:noFill/>
+          </a:ln>
+        </p:spPr>
+        <p:style>
+          <a:lnRef idx="2">
+            <a:schemeClr val="accent1">
+              <a:shade val="50000"/>
+            </a:schemeClr>
+          </a:lnRef>
+          <a:fillRef idx="1">
+            <a:schemeClr val="accent1"/>
+          </a:fillRef>
+          <a:effectRef idx="0">
+            <a:schemeClr val="accent1"/>
+          </a:effectRef>
+          <a:fontRef idx="minor">
+            <a:schemeClr val="lt1"/>
+          </a:fontRef>
+        </p:style>
+        <p:txBody>
+          <a:bodyPr rtlCol="0" anchor="ctr"/>
+          <a:lstStyle/>
+          <a:p>
+            <a:pPr marL="0" marR="0" lvl="0" indent="0" algn="ctr" defTabSz="914400" rtl="0" eaLnBrk="1" fontAlgn="auto" latinLnBrk="0" hangingPunct="1">
+              <a:lnSpc>
+                <a:spcPct val="100000"/>
+              </a:lnSpc>
+              <a:spcBef>
+                <a:spcPts val="0"/>
+              </a:spcBef>
+              <a:spcAft>
+                <a:spcPts val="0"/>
+              </a:spcAft>
+              <a:buClrTx/>
+              <a:buSzTx/>
+              <a:buFontTx/>
+              <a:buNone/>
+              <a:tabLst/>
+              <a:defRPr/>
+            </a:pPr>
+            <a:endParaRPr kumimoji="0" lang="en-US" sz="1800" b="0" i="0" u="none" strike="noStrike" kern="1200" cap="none" spc="0" normalizeH="0" baseline="0" noProof="0">
+              <a:ln>
+                <a:noFill/>
+              </a:ln>
+              <a:solidFill>
+                <a:srgbClr val="FFFFFF"/>
+              </a:solidFill>
+              <a:effectLst/>
+              <a:uLnTx/>
+              <a:uFillTx/>
+              <a:latin typeface="Calisto MT"/>
+              <a:ea typeface="+mn-ea"/>
+              <a:cs typeface="+mn-cs"/>
+            </a:endParaRPr>
+          </a:p>
+        </p:txBody>
+      </p:sp>
+      <p:sp>
+        <p:nvSpPr>
+          <p:cNvPr id="2" name="Title 1">
+            <a:extLst>
+              <a:ext uri="{FF2B5EF4-FFF2-40B4-BE49-F238E27FC236}">
+                <a16:creationId xmlns:a16="http://schemas.microsoft.com/office/drawing/2014/main" xmlns="" id="{CEC4E630-4580-706E-FD4B-475362D26051}"/>
+              </a:ext>
+            </a:extLst>
+          </p:cNvPr>
+          <p:cNvSpPr>
+            <a:spLocks noGrp="1"/>
+          </p:cNvSpPr>
+          <p:nvPr>
+            <p:ph type="ctrTitle"/>
+          </p:nvPr>
+        </p:nvSpPr>
+        <p:spPr>
+          <a:xfrm>
+            <a:off x="320039" y="175147"/>
+            <a:ext cx="7978385" cy="916234"/>
+          </a:xfrm>
+        </p:spPr>
+        <p:txBody>
+          <a:bodyPr anchor="ctr">
+            <a:normAutofit/>
+          </a:bodyPr>
+          <a:lstStyle/>
+          <a:p>
+            <a:r>
+              <a:rPr lang="en-GB" sz="3600" dirty="0" smtClean="0"/>
+              <a:t>Pre-Processing</a:t>
+            </a:r>
+            <a:endParaRPr lang="en-GB" sz="3600" dirty="0"/>
+          </a:p>
+        </p:txBody>
+      </p:sp>
+      <p:sp>
+        <p:nvSpPr>
+          <p:cNvPr id="6" name="TextBox 5">
+            <a:extLst>
+              <a:ext uri="{FF2B5EF4-FFF2-40B4-BE49-F238E27FC236}">
+                <a16:creationId xmlns:a16="http://schemas.microsoft.com/office/drawing/2014/main" xmlns="" id="{136059E5-3263-14F5-C9FE-3F6C3E0B5C53}"/>
+              </a:ext>
+            </a:extLst>
+          </p:cNvPr>
+          <p:cNvSpPr txBox="1"/>
+          <p:nvPr/>
+        </p:nvSpPr>
+        <p:spPr>
+          <a:xfrm>
+            <a:off x="320039" y="1545787"/>
+            <a:ext cx="11243604" cy="4970976"/>
+          </a:xfrm>
+          <a:prstGeom prst="rect">
+            <a:avLst/>
+          </a:prstGeom>
+          <a:solidFill>
+            <a:schemeClr val="bg1"/>
+          </a:solidFill>
+        </p:spPr>
+        <p:txBody>
+          <a:bodyPr wrap="square">
+            <a:spAutoFit/>
+          </a:bodyPr>
+          <a:lstStyle/>
+          <a:p>
+            <a:pPr>
+              <a:lnSpc>
+                <a:spcPct val="107000"/>
+              </a:lnSpc>
+              <a:spcAft>
+                <a:spcPts val="800"/>
+              </a:spcAft>
+              <a:buNone/>
+            </a:pPr>
+            <a:r>
+              <a:rPr lang="en-US" b="1" kern="100" dirty="0" smtClean="0">
+                <a:latin typeface="Cambria" panose="02040503050406030204" pitchFamily="18" charset="0"/>
+                <a:ea typeface="Times New Roman" panose="02020603050405020304" pitchFamily="18" charset="0"/>
+                <a:cs typeface="Segoe UI" panose="020B0502040204020203" pitchFamily="34" charset="0"/>
+              </a:rPr>
+              <a:t>For Pre-processing we follow the following steps.</a:t>
+            </a:r>
+          </a:p>
+          <a:p>
+            <a:pPr>
+              <a:lnSpc>
+                <a:spcPct val="107000"/>
+              </a:lnSpc>
+              <a:spcAft>
+                <a:spcPts val="800"/>
+              </a:spcAft>
+              <a:buNone/>
+            </a:pPr>
+            <a:r>
+              <a:rPr lang="en-US" b="1" kern="100" dirty="0" smtClean="0">
+                <a:latin typeface="Cambria" panose="02040503050406030204" pitchFamily="18" charset="0"/>
+                <a:ea typeface="Times New Roman" panose="02020603050405020304" pitchFamily="18" charset="0"/>
+                <a:cs typeface="Segoe UI" panose="020B0502040204020203" pitchFamily="34" charset="0"/>
+              </a:rPr>
+              <a:t>1. Data Collection:</a:t>
+            </a:r>
+            <a:endParaRPr lang="en-US" b="1" kern="100" dirty="0">
+              <a:latin typeface="Cambria" panose="02040503050406030204" pitchFamily="18" charset="0"/>
+              <a:ea typeface="Times New Roman" panose="02020603050405020304" pitchFamily="18" charset="0"/>
+              <a:cs typeface="Segoe UI" panose="020B0502040204020203" pitchFamily="34" charset="0"/>
+            </a:endParaRPr>
+          </a:p>
+          <a:p>
+            <a:pPr>
+              <a:lnSpc>
+                <a:spcPct val="107000"/>
+              </a:lnSpc>
+              <a:spcAft>
+                <a:spcPts val="800"/>
+              </a:spcAft>
+              <a:buNone/>
+            </a:pPr>
+            <a:r>
+              <a:rPr lang="en-US" kern="100" dirty="0">
+                <a:latin typeface="Cambria" panose="02040503050406030204" pitchFamily="18" charset="0"/>
+                <a:ea typeface="Times New Roman" panose="02020603050405020304" pitchFamily="18" charset="0"/>
+                <a:cs typeface="Segoe UI" panose="020B0502040204020203" pitchFamily="34" charset="0"/>
+              </a:rPr>
+              <a:t>The dataset was sourced from Kaggle, consisting of </a:t>
+            </a:r>
+            <a:r>
+              <a:rPr lang="en-US" b="1" kern="100" dirty="0">
+                <a:latin typeface="Cambria" panose="02040503050406030204" pitchFamily="18" charset="0"/>
+                <a:ea typeface="Times New Roman" panose="02020603050405020304" pitchFamily="18" charset="0"/>
+                <a:cs typeface="Segoe UI" panose="020B0502040204020203" pitchFamily="34" charset="0"/>
+              </a:rPr>
+              <a:t>302,010 rows </a:t>
+            </a:r>
+            <a:r>
+              <a:rPr lang="en-US" kern="100" dirty="0">
+                <a:latin typeface="Cambria" panose="02040503050406030204" pitchFamily="18" charset="0"/>
+                <a:ea typeface="Times New Roman" panose="02020603050405020304" pitchFamily="18" charset="0"/>
+                <a:cs typeface="Segoe UI" panose="020B0502040204020203" pitchFamily="34" charset="0"/>
+              </a:rPr>
+              <a:t>and </a:t>
+            </a:r>
+            <a:r>
+              <a:rPr lang="en-US" b="1" kern="100" dirty="0">
+                <a:latin typeface="Cambria" panose="02040503050406030204" pitchFamily="18" charset="0"/>
+                <a:ea typeface="Times New Roman" panose="02020603050405020304" pitchFamily="18" charset="0"/>
+                <a:cs typeface="Segoe UI" panose="020B0502040204020203" pitchFamily="34" charset="0"/>
+              </a:rPr>
+              <a:t>30 columns</a:t>
+            </a:r>
+            <a:r>
+              <a:rPr lang="en-US" kern="100" dirty="0" smtClean="0">
+                <a:latin typeface="Cambria" panose="02040503050406030204" pitchFamily="18" charset="0"/>
+                <a:ea typeface="Times New Roman" panose="02020603050405020304" pitchFamily="18" charset="0"/>
+                <a:cs typeface="Segoe UI" panose="020B0502040204020203" pitchFamily="34" charset="0"/>
+              </a:rPr>
+              <a:t>.</a:t>
+            </a:r>
+            <a:endParaRPr lang="en-US" kern="100" dirty="0" smtClean="0">
+              <a:effectLst/>
+              <a:latin typeface="Cambria" panose="02040503050406030204" pitchFamily="18" charset="0"/>
+              <a:ea typeface="Times New Roman" panose="02020603050405020304" pitchFamily="18" charset="0"/>
+              <a:cs typeface="Segoe UI" panose="020B0502040204020203" pitchFamily="34" charset="0"/>
+            </a:endParaRPr>
+          </a:p>
+          <a:p>
+            <a:pPr>
+              <a:lnSpc>
+                <a:spcPct val="107000"/>
+              </a:lnSpc>
+              <a:spcAft>
+                <a:spcPts val="800"/>
+              </a:spcAft>
+              <a:buNone/>
+            </a:pPr>
+            <a:r>
+              <a:rPr lang="en-GB" b="1" kern="100" dirty="0" smtClean="0">
+                <a:latin typeface="Calibri" panose="020F0502020204030204" pitchFamily="34" charset="0"/>
+                <a:ea typeface="Calibri" panose="020F0502020204030204" pitchFamily="34" charset="0"/>
+                <a:cs typeface="Times New Roman" panose="02020603050405020304" pitchFamily="18" charset="0"/>
+              </a:rPr>
+              <a:t>2</a:t>
+            </a:r>
+            <a:r>
+              <a:rPr lang="en-GB" b="1" kern="100" dirty="0">
+                <a:latin typeface="Calibri" panose="020F0502020204030204" pitchFamily="34" charset="0"/>
+                <a:ea typeface="Calibri" panose="020F0502020204030204" pitchFamily="34" charset="0"/>
+                <a:cs typeface="Times New Roman" panose="02020603050405020304" pitchFamily="18" charset="0"/>
+              </a:rPr>
+              <a:t>. Data Exploration and Understanding:</a:t>
+            </a:r>
+            <a:endParaRPr lang="en-GB" b="1" kern="100" dirty="0" smtClean="0">
+              <a:latin typeface="Calibri" panose="020F0502020204030204" pitchFamily="34" charset="0"/>
+              <a:ea typeface="Calibri" panose="020F0502020204030204" pitchFamily="34" charset="0"/>
+              <a:cs typeface="Times New Roman" panose="02020603050405020304" pitchFamily="18" charset="0"/>
+            </a:endParaRPr>
+          </a:p>
+          <a:p>
+            <a:pPr>
+              <a:lnSpc>
+                <a:spcPct val="107000"/>
+              </a:lnSpc>
+              <a:spcAft>
+                <a:spcPts val="800"/>
+              </a:spcAft>
+              <a:buNone/>
+            </a:pPr>
+            <a:r>
+              <a:rPr lang="en-US" dirty="0">
+                <a:latin typeface="Cambria" panose="02040503050406030204" pitchFamily="18" charset="0"/>
+                <a:ea typeface="Calibri" panose="020F0502020204030204" pitchFamily="34" charset="0"/>
+                <a:cs typeface="Times New Roman" panose="02020603050405020304" pitchFamily="18" charset="0"/>
+              </a:rPr>
+              <a:t>The initial dataset was printed to understand the structure, including data types, missing values, and duplicates. Duplicate records and irrelevant columns were identified and removed based on domain knowledge and data relevance. After cleaning, the dataset was reduced to 16 columns</a:t>
+            </a:r>
+            <a:r>
+              <a:rPr lang="en-US" dirty="0" smtClean="0">
+                <a:latin typeface="Cambria" panose="02040503050406030204" pitchFamily="18" charset="0"/>
+                <a:ea typeface="Calibri" panose="020F0502020204030204" pitchFamily="34" charset="0"/>
+                <a:cs typeface="Times New Roman" panose="02020603050405020304" pitchFamily="18" charset="0"/>
+              </a:rPr>
+              <a:t>.</a:t>
+            </a:r>
+          </a:p>
+          <a:p>
+            <a:pPr>
+              <a:lnSpc>
+                <a:spcPct val="107000"/>
+              </a:lnSpc>
+              <a:spcAft>
+                <a:spcPts val="800"/>
+              </a:spcAft>
+              <a:buNone/>
+            </a:pPr>
+            <a:endParaRPr lang="en-US" dirty="0">
+              <a:latin typeface="Cambria" panose="02040503050406030204" pitchFamily="18" charset="0"/>
+              <a:cs typeface="Times New Roman" panose="02020603050405020304" pitchFamily="18" charset="0"/>
+            </a:endParaRPr>
+          </a:p>
+          <a:p>
+            <a:pPr>
+              <a:lnSpc>
+                <a:spcPct val="107000"/>
+              </a:lnSpc>
+              <a:spcAft>
+                <a:spcPts val="800"/>
+              </a:spcAft>
+              <a:buNone/>
+            </a:pPr>
+            <a:endParaRPr lang="en-US" dirty="0" smtClean="0">
+              <a:latin typeface="Cambria" panose="02040503050406030204" pitchFamily="18" charset="0"/>
+              <a:cs typeface="Times New Roman" panose="02020603050405020304" pitchFamily="18" charset="0"/>
+            </a:endParaRPr>
+          </a:p>
+          <a:p>
+            <a:pPr>
+              <a:lnSpc>
+                <a:spcPct val="107000"/>
+              </a:lnSpc>
+              <a:spcAft>
+                <a:spcPts val="800"/>
+              </a:spcAft>
+              <a:buNone/>
+            </a:pPr>
+            <a:endParaRPr lang="en-US" dirty="0">
+              <a:latin typeface="Cambria" panose="02040503050406030204" pitchFamily="18" charset="0"/>
+              <a:cs typeface="Times New Roman" panose="02020603050405020304" pitchFamily="18" charset="0"/>
+            </a:endParaRPr>
+          </a:p>
+          <a:p>
+            <a:pPr>
+              <a:lnSpc>
+                <a:spcPct val="107000"/>
+              </a:lnSpc>
+              <a:spcAft>
+                <a:spcPts val="800"/>
+              </a:spcAft>
+              <a:buNone/>
+            </a:pPr>
+            <a:endParaRPr lang="en-US" dirty="0" smtClean="0">
+              <a:latin typeface="Cambria" panose="02040503050406030204" pitchFamily="18" charset="0"/>
+              <a:cs typeface="Times New Roman" panose="02020603050405020304" pitchFamily="18" charset="0"/>
+            </a:endParaRPr>
+          </a:p>
+          <a:p>
+            <a:pPr>
+              <a:lnSpc>
+                <a:spcPct val="107000"/>
+              </a:lnSpc>
+              <a:spcAft>
+                <a:spcPts val="800"/>
+              </a:spcAft>
+              <a:buNone/>
+            </a:pPr>
+            <a:endParaRPr lang="en-US" dirty="0">
+              <a:latin typeface="Cambria" panose="02040503050406030204" pitchFamily="18" charset="0"/>
+              <a:cs typeface="Times New Roman" panose="02020603050405020304" pitchFamily="18" charset="0"/>
+            </a:endParaRPr>
+          </a:p>
+          <a:p>
+            <a:pPr>
+              <a:lnSpc>
+                <a:spcPct val="107000"/>
+              </a:lnSpc>
+              <a:spcAft>
+                <a:spcPts val="800"/>
+              </a:spcAft>
+              <a:buNone/>
+            </a:pPr>
+            <a:endParaRPr lang="en-GB" dirty="0"/>
+          </a:p>
+        </p:txBody>
+      </p:sp>
+      <p:pic>
+        <p:nvPicPr>
+          <p:cNvPr id="3" name="Picture 2"/>
+          <p:cNvPicPr>
+            <a:picLocks noChangeAspect="1"/>
+          </p:cNvPicPr>
+          <p:nvPr/>
+        </p:nvPicPr>
+        <p:blipFill>
+          <a:blip r:embed="rId3"/>
+          <a:stretch>
+            <a:fillRect/>
+          </a:stretch>
+        </p:blipFill>
+        <p:spPr>
+          <a:xfrm>
+            <a:off x="2405436" y="4217307"/>
+            <a:ext cx="7381127" cy="2299456"/>
+          </a:xfrm>
+          <a:prstGeom prst="rect">
+            <a:avLst/>
+          </a:prstGeom>
+        </p:spPr>
+      </p:pic>
+    </p:spTree>
+    <p:extLst>
+      <p:ext uri="{BB962C8B-B14F-4D97-AF65-F5344CB8AC3E}">
+        <p14:creationId xmlns:p14="http://schemas.microsoft.com/office/powerpoint/2010/main" val="1681875480"/>
+      </p:ext>
+    </p:extLst>
+  </p:cSld>
+  <p:clrMapOvr>
+    <a:masterClrMapping/>
+  </p:clrMapOvr>
+</p:sld>
+</file>
+
+<file path=ppt/slides/slide6.xml><?xml version="1.0" encoding="utf-8"?>
+<p:sld xmlns:a="http://schemas.openxmlformats.org/drawingml/2006/main" xmlns:r="http://schemas.openxmlformats.org/officeDocument/2006/relationships" xmlns:p="http://schemas.openxmlformats.org/presentationml/2006/main">
+  <p:cSld>
+    <p:spTree>
+      <p:nvGrpSpPr>
+        <p:cNvPr id="1" name=""/>
+        <p:cNvGrpSpPr/>
+        <p:nvPr/>
+      </p:nvGrpSpPr>
+      <p:grpSpPr>
+        <a:xfrm>
+          <a:off x="0" y="0"/>
+          <a:ext cx="0" cy="0"/>
+          <a:chOff x="0" y="0"/>
+          <a:chExt cx="0" cy="0"/>
+        </a:xfrm>
+      </p:grpSpPr>
+      <p:sp>
+        <p:nvSpPr>
+          <p:cNvPr id="9" name="Rectangle 8">
+            <a:extLst>
+              <a:ext uri="{FF2B5EF4-FFF2-40B4-BE49-F238E27FC236}">
+                <a16:creationId xmlns:a16="http://schemas.microsoft.com/office/drawing/2014/main" xmlns="" id="{80B98925-0550-1AFB-C1DC-02792400FB71}"/>
+              </a:ext>
+              <a:ext uri="{C183D7F6-B498-43B3-948B-1728B52AA6E4}">
+                <adec:decorative xmlns:adec="http://schemas.microsoft.com/office/drawing/2017/decorative" xmlns="" val="1"/>
+              </a:ext>
+            </a:extLst>
+          </p:cNvPr>
+          <p:cNvSpPr>
+            <a:spLocks noGrp="1" noRot="1" noChangeAspect="1" noMove="1" noResize="1" noEditPoints="1" noAdjustHandles="1" noChangeArrowheads="1" noChangeShapeType="1" noTextEdit="1"/>
+          </p:cNvSpPr>
+          <p:nvPr>
+            <p:extLst>
+              <p:ext uri="{386F3935-93C4-4BCD-93E2-E3B085C9AB24}">
+                <p16:designElem xmlns:p16="http://schemas.microsoft.com/office/powerpoint/2015/main" xmlns="" val="1"/>
+              </p:ext>
+            </p:extLst>
+          </p:nvPr>
+        </p:nvSpPr>
+        <p:spPr>
+          <a:xfrm>
+            <a:off x="0" y="0"/>
+            <a:ext cx="12192000" cy="6858000"/>
+          </a:xfrm>
+          <a:prstGeom prst="rect">
+            <a:avLst/>
+          </a:prstGeom>
+          <a:solidFill>
+            <a:schemeClr val="bg1"/>
+          </a:solidFill>
+          <a:ln w="12700" cap="flat" cmpd="sng" algn="ctr">
+            <a:noFill/>
+            <a:prstDash val="solid"/>
+            <a:miter lim="800000"/>
+          </a:ln>
+          <a:effectLst/>
+          <a:extLst>
+            <a:ext uri="{91240B29-F687-4F45-9708-019B960494DF}">
+              <a14:hiddenLine xmlns:a14="http://schemas.microsoft.com/office/drawing/2010/main" w="12700" cap="flat" cmpd="sng" algn="ctr">
+                <a:solidFill>
+                  <a:schemeClr val="accent1">
+                    <a:shade val="15000"/>
+                  </a:schemeClr>
+                </a:solidFill>
+                <a:prstDash val="solid"/>
+                <a:miter lim="800000"/>
+              </a14:hiddenLine>
+            </a:ext>
+          </a:extLst>
+        </p:spPr>
+        <p:style>
+          <a:lnRef idx="2">
+            <a:schemeClr val="accent1">
+              <a:shade val="15000"/>
+            </a:schemeClr>
+          </a:lnRef>
+          <a:fillRef idx="1">
+            <a:schemeClr val="accent1"/>
+          </a:fillRef>
+          <a:effectRef idx="0">
+            <a:schemeClr val="accent1"/>
+          </a:effectRef>
+          <a:fontRef idx="minor">
+            <a:schemeClr val="lt1"/>
+          </a:fontRef>
+        </p:style>
+        <p:txBody>
+          <a:bodyPr rtlCol="0" anchor="ctr"/>
+          <a:lstStyle/>
+          <a:p>
+            <a:pPr marL="0" marR="0" lvl="0" indent="0" algn="ctr" defTabSz="914400" rtl="0" eaLnBrk="1" fontAlgn="auto" latinLnBrk="0" hangingPunct="1">
+              <a:lnSpc>
+                <a:spcPct val="100000"/>
+              </a:lnSpc>
+              <a:spcBef>
+                <a:spcPts val="0"/>
+              </a:spcBef>
+              <a:spcAft>
+                <a:spcPts val="0"/>
+              </a:spcAft>
+              <a:buClrTx/>
+              <a:buSzTx/>
+              <a:buFontTx/>
+              <a:buNone/>
+              <a:tabLst/>
+              <a:defRPr/>
+            </a:pPr>
+            <a:endParaRPr kumimoji="0" lang="en-US" sz="1800" b="0" i="0" u="none" strike="noStrike" kern="1200" cap="none" spc="0" normalizeH="0" baseline="0" noProof="0">
+              <a:ln>
+                <a:noFill/>
+              </a:ln>
+              <a:solidFill>
+                <a:srgbClr val="FFFFFF"/>
+              </a:solidFill>
+              <a:effectLst/>
+              <a:uLnTx/>
+              <a:uFillTx/>
+              <a:latin typeface="Calisto MT"/>
+              <a:ea typeface="+mn-ea"/>
+              <a:cs typeface="+mn-cs"/>
+            </a:endParaRPr>
+          </a:p>
+        </p:txBody>
+      </p:sp>
+      <p:pic>
+        <p:nvPicPr>
+          <p:cNvPr id="4" name="Picture 3" descr="A white and blue room with blue sky&#10;&#10;AI-generated content may be incorrect.">
+            <a:extLst>
+              <a:ext uri="{FF2B5EF4-FFF2-40B4-BE49-F238E27FC236}">
+                <a16:creationId xmlns:a16="http://schemas.microsoft.com/office/drawing/2014/main" xmlns="" id="{36CE6427-7899-688F-3128-1CE9BF0EC21E}"/>
+              </a:ext>
+            </a:extLst>
+          </p:cNvPr>
+          <p:cNvPicPr>
+            <a:picLocks noChangeAspect="1"/>
+          </p:cNvPicPr>
+          <p:nvPr/>
+        </p:nvPicPr>
+        <p:blipFill>
+          <a:blip r:embed="rId2"/>
+          <a:srcRect t="18510" b="6490"/>
+          <a:stretch>
+            <a:fillRect/>
+          </a:stretch>
+        </p:blipFill>
+        <p:spPr>
+          <a:xfrm>
+            <a:off x="20" y="10"/>
+            <a:ext cx="12191979" cy="6857990"/>
+          </a:xfrm>
+          <a:prstGeom prst="rect">
+            <a:avLst/>
+          </a:prstGeom>
+        </p:spPr>
+      </p:pic>
+      <p:sp>
+        <p:nvSpPr>
+          <p:cNvPr id="11" name="Rectangle 10">
+            <a:extLst>
+              <a:ext uri="{FF2B5EF4-FFF2-40B4-BE49-F238E27FC236}">
+                <a16:creationId xmlns:a16="http://schemas.microsoft.com/office/drawing/2014/main" xmlns="" id="{0CCA9273-E74E-A306-1F74-BEF9EDA30500}"/>
+              </a:ext>
+              <a:ext uri="{C183D7F6-B498-43B3-948B-1728B52AA6E4}">
+                <adec:decorative xmlns:adec="http://schemas.microsoft.com/office/drawing/2017/decorative" xmlns="" val="1"/>
+              </a:ext>
+            </a:extLst>
+          </p:cNvPr>
+          <p:cNvSpPr>
+            <a:spLocks noGrp="1" noRot="1" noChangeAspect="1" noMove="1" noResize="1" noEditPoints="1" noAdjustHandles="1" noChangeArrowheads="1" noChangeShapeType="1" noTextEdit="1"/>
+          </p:cNvSpPr>
+          <p:nvPr>
+            <p:extLst>
+              <p:ext uri="{386F3935-93C4-4BCD-93E2-E3B085C9AB24}">
+                <p16:designElem xmlns:p16="http://schemas.microsoft.com/office/powerpoint/2015/main" xmlns="" val="1"/>
+              </p:ext>
+            </p:extLst>
+          </p:nvPr>
+        </p:nvSpPr>
+        <p:spPr>
+          <a:xfrm flipV="1">
+            <a:off x="0" y="0"/>
+            <a:ext cx="12192000" cy="2462170"/>
+          </a:xfrm>
+          <a:prstGeom prst="rect">
+            <a:avLst/>
+          </a:prstGeom>
+          <a:gradFill>
+            <a:gsLst>
+              <a:gs pos="0">
+                <a:schemeClr val="bg1">
+                  <a:alpha val="0"/>
+                </a:schemeClr>
+              </a:gs>
+              <a:gs pos="48000">
+                <a:schemeClr val="bg1">
+                  <a:alpha val="17000"/>
+                </a:schemeClr>
+              </a:gs>
+              <a:gs pos="100000">
+                <a:schemeClr val="bg1">
+                  <a:alpha val="45000"/>
+                </a:schemeClr>
+              </a:gs>
+            </a:gsLst>
+            <a:lin ang="5400000" scaled="1"/>
+          </a:gradFill>
+          <a:ln>
+            <a:noFill/>
+          </a:ln>
+        </p:spPr>
+        <p:style>
+          <a:lnRef idx="2">
+            <a:schemeClr val="accent1">
+              <a:shade val="50000"/>
+            </a:schemeClr>
+          </a:lnRef>
+          <a:fillRef idx="1">
+            <a:schemeClr val="accent1"/>
+          </a:fillRef>
+          <a:effectRef idx="0">
+            <a:schemeClr val="accent1"/>
+          </a:effectRef>
+          <a:fontRef idx="minor">
+            <a:schemeClr val="lt1"/>
+          </a:fontRef>
+        </p:style>
+        <p:txBody>
+          <a:bodyPr rtlCol="0" anchor="ctr"/>
+          <a:lstStyle/>
+          <a:p>
+            <a:pPr marL="0" marR="0" lvl="0" indent="0" algn="ctr" defTabSz="914400" rtl="0" eaLnBrk="1" fontAlgn="auto" latinLnBrk="0" hangingPunct="1">
+              <a:lnSpc>
+                <a:spcPct val="100000"/>
+              </a:lnSpc>
+              <a:spcBef>
+                <a:spcPts val="0"/>
+              </a:spcBef>
+              <a:spcAft>
+                <a:spcPts val="0"/>
+              </a:spcAft>
+              <a:buClrTx/>
+              <a:buSzTx/>
+              <a:buFontTx/>
+              <a:buNone/>
+              <a:tabLst/>
+              <a:defRPr/>
+            </a:pPr>
+            <a:endParaRPr kumimoji="0" lang="en-US" sz="1800" b="0" i="0" u="none" strike="noStrike" kern="1200" cap="none" spc="0" normalizeH="0" baseline="0" noProof="0">
+              <a:ln>
+                <a:noFill/>
+              </a:ln>
+              <a:solidFill>
+                <a:srgbClr val="FFFFFF"/>
+              </a:solidFill>
+              <a:effectLst/>
+              <a:uLnTx/>
+              <a:uFillTx/>
+              <a:latin typeface="Calisto MT"/>
+              <a:ea typeface="+mn-ea"/>
+              <a:cs typeface="+mn-cs"/>
+            </a:endParaRPr>
+          </a:p>
+        </p:txBody>
+      </p:sp>
+      <p:sp>
+        <p:nvSpPr>
+          <p:cNvPr id="2" name="Title 1">
+            <a:extLst>
+              <a:ext uri="{FF2B5EF4-FFF2-40B4-BE49-F238E27FC236}">
+                <a16:creationId xmlns:a16="http://schemas.microsoft.com/office/drawing/2014/main" xmlns="" id="{CEC4E630-4580-706E-FD4B-475362D26051}"/>
+              </a:ext>
+            </a:extLst>
+          </p:cNvPr>
+          <p:cNvSpPr>
+            <a:spLocks noGrp="1"/>
+          </p:cNvSpPr>
+          <p:nvPr>
+            <p:ph type="ctrTitle"/>
+          </p:nvPr>
+        </p:nvSpPr>
+        <p:spPr>
+          <a:xfrm>
+            <a:off x="320039" y="175147"/>
+            <a:ext cx="7978385" cy="916234"/>
+          </a:xfrm>
+        </p:spPr>
+        <p:txBody>
+          <a:bodyPr anchor="ctr">
+            <a:normAutofit/>
+          </a:bodyPr>
+          <a:lstStyle/>
+          <a:p>
+            <a:r>
+              <a:rPr lang="en-GB" sz="3600" dirty="0" smtClean="0"/>
+              <a:t>Pre-Processing</a:t>
+            </a:r>
+            <a:endParaRPr lang="en-GB" sz="3600" dirty="0"/>
+          </a:p>
+        </p:txBody>
+      </p:sp>
+      <p:sp>
+        <p:nvSpPr>
+          <p:cNvPr id="6" name="TextBox 5">
+            <a:extLst>
+              <a:ext uri="{FF2B5EF4-FFF2-40B4-BE49-F238E27FC236}">
+                <a16:creationId xmlns:a16="http://schemas.microsoft.com/office/drawing/2014/main" xmlns="" id="{136059E5-3263-14F5-C9FE-3F6C3E0B5C53}"/>
+              </a:ext>
+            </a:extLst>
+          </p:cNvPr>
+          <p:cNvSpPr txBox="1"/>
+          <p:nvPr/>
+        </p:nvSpPr>
+        <p:spPr>
+          <a:xfrm>
+            <a:off x="320039" y="1545787"/>
+            <a:ext cx="5420747" cy="4560607"/>
+          </a:xfrm>
+          <a:prstGeom prst="rect">
+            <a:avLst/>
+          </a:prstGeom>
+          <a:solidFill>
+            <a:schemeClr val="bg1"/>
+          </a:solidFill>
+        </p:spPr>
+        <p:txBody>
+          <a:bodyPr wrap="square">
+            <a:spAutoFit/>
+          </a:bodyPr>
+          <a:lstStyle/>
+          <a:p>
+            <a:pPr>
+              <a:lnSpc>
+                <a:spcPct val="107000"/>
+              </a:lnSpc>
+              <a:spcAft>
+                <a:spcPts val="800"/>
+              </a:spcAft>
+              <a:buNone/>
+            </a:pPr>
+            <a:r>
+              <a:rPr lang="en-US" b="1" kern="100" dirty="0" smtClean="0">
+                <a:latin typeface="Cambria" panose="02040503050406030204" pitchFamily="18" charset="0"/>
+                <a:ea typeface="Times New Roman" panose="02020603050405020304" pitchFamily="18" charset="0"/>
+                <a:cs typeface="Segoe UI" panose="020B0502040204020203" pitchFamily="34" charset="0"/>
+              </a:rPr>
+              <a:t>3. </a:t>
+            </a:r>
+            <a:r>
+              <a:rPr lang="en-US" b="1" kern="100" dirty="0">
+                <a:latin typeface="Cambria" panose="02040503050406030204" pitchFamily="18" charset="0"/>
+                <a:ea typeface="Times New Roman" panose="02020603050405020304" pitchFamily="18" charset="0"/>
+                <a:cs typeface="Segoe UI" panose="020B0502040204020203" pitchFamily="34" charset="0"/>
+              </a:rPr>
+              <a:t>Handling Missing Data:</a:t>
+            </a:r>
+          </a:p>
+          <a:p>
+            <a:pPr>
+              <a:lnSpc>
+                <a:spcPct val="107000"/>
+              </a:lnSpc>
+              <a:spcAft>
+                <a:spcPts val="800"/>
+              </a:spcAft>
+              <a:buNone/>
+            </a:pPr>
+            <a:r>
+              <a:rPr lang="en-US" kern="100" dirty="0">
+                <a:latin typeface="Cambria" panose="02040503050406030204" pitchFamily="18" charset="0"/>
+                <a:ea typeface="Times New Roman" panose="02020603050405020304" pitchFamily="18" charset="0"/>
+                <a:cs typeface="Segoe UI" panose="020B0502040204020203" pitchFamily="34" charset="0"/>
+              </a:rPr>
+              <a:t>Missing values were identified using the </a:t>
+            </a:r>
+            <a:r>
+              <a:rPr lang="en-US" kern="100" dirty="0" err="1">
+                <a:latin typeface="Cambria" panose="02040503050406030204" pitchFamily="18" charset="0"/>
+                <a:ea typeface="Times New Roman" panose="02020603050405020304" pitchFamily="18" charset="0"/>
+                <a:cs typeface="Segoe UI" panose="020B0502040204020203" pitchFamily="34" charset="0"/>
+              </a:rPr>
+              <a:t>isnull</a:t>
+            </a:r>
+            <a:r>
+              <a:rPr lang="en-US" kern="100" dirty="0">
+                <a:latin typeface="Cambria" panose="02040503050406030204" pitchFamily="18" charset="0"/>
+                <a:ea typeface="Times New Roman" panose="02020603050405020304" pitchFamily="18" charset="0"/>
+                <a:cs typeface="Segoe UI" panose="020B0502040204020203" pitchFamily="34" charset="0"/>
+              </a:rPr>
+              <a:t>() function. To impute the missing values, the K-Nearest Neighbors (KNN) Imputer was employed</a:t>
+            </a:r>
+            <a:r>
+              <a:rPr lang="en-US" kern="100" dirty="0" smtClean="0">
+                <a:latin typeface="Cambria" panose="02040503050406030204" pitchFamily="18" charset="0"/>
+                <a:ea typeface="Times New Roman" panose="02020603050405020304" pitchFamily="18" charset="0"/>
+                <a:cs typeface="Segoe UI" panose="020B0502040204020203" pitchFamily="34" charset="0"/>
+              </a:rPr>
+              <a:t>.</a:t>
+            </a:r>
+            <a:endParaRPr lang="en-US" kern="100" dirty="0" smtClean="0">
+              <a:effectLst/>
+              <a:latin typeface="Cambria" panose="02040503050406030204" pitchFamily="18" charset="0"/>
+              <a:ea typeface="Times New Roman" panose="02020603050405020304" pitchFamily="18" charset="0"/>
+              <a:cs typeface="Segoe UI" panose="020B0502040204020203" pitchFamily="34" charset="0"/>
+            </a:endParaRPr>
+          </a:p>
+          <a:p>
+            <a:pPr>
+              <a:lnSpc>
+                <a:spcPct val="107000"/>
+              </a:lnSpc>
+              <a:spcAft>
+                <a:spcPts val="800"/>
+              </a:spcAft>
+              <a:buNone/>
+            </a:pPr>
+            <a:r>
+              <a:rPr lang="en-GB" b="1" kern="100" dirty="0" smtClean="0">
+                <a:latin typeface="Calibri" panose="020F0502020204030204" pitchFamily="34" charset="0"/>
+                <a:ea typeface="Calibri" panose="020F0502020204030204" pitchFamily="34" charset="0"/>
+                <a:cs typeface="Times New Roman" panose="02020603050405020304" pitchFamily="18" charset="0"/>
+              </a:rPr>
+              <a:t>4. </a:t>
+            </a:r>
+            <a:r>
+              <a:rPr lang="en-GB" b="1" kern="100" dirty="0">
+                <a:latin typeface="Calibri" panose="020F0502020204030204" pitchFamily="34" charset="0"/>
+                <a:ea typeface="Calibri" panose="020F0502020204030204" pitchFamily="34" charset="0"/>
+                <a:cs typeface="Times New Roman" panose="02020603050405020304" pitchFamily="18" charset="0"/>
+              </a:rPr>
+              <a:t>Encoding Categorical Variables:</a:t>
+            </a:r>
+            <a:endParaRPr lang="en-GB" b="1" kern="100" dirty="0" smtClean="0">
+              <a:latin typeface="Calibri" panose="020F0502020204030204" pitchFamily="34" charset="0"/>
+              <a:ea typeface="Calibri" panose="020F0502020204030204" pitchFamily="34" charset="0"/>
+              <a:cs typeface="Times New Roman" panose="02020603050405020304" pitchFamily="18" charset="0"/>
+            </a:endParaRPr>
+          </a:p>
+          <a:p>
+            <a:pPr>
+              <a:lnSpc>
+                <a:spcPct val="107000"/>
+              </a:lnSpc>
+              <a:spcAft>
+                <a:spcPts val="800"/>
+              </a:spcAft>
+              <a:buNone/>
+            </a:pPr>
+            <a:r>
+              <a:rPr lang="en-US" dirty="0">
+                <a:latin typeface="Cambria" panose="02040503050406030204" pitchFamily="18" charset="0"/>
+                <a:ea typeface="Calibri" panose="020F0502020204030204" pitchFamily="34" charset="0"/>
+                <a:cs typeface="Times New Roman" panose="02020603050405020304" pitchFamily="18" charset="0"/>
+              </a:rPr>
+              <a:t>Prior to imputation, categorical variables were encoded as KNN Imputer requires numerical inputs. Manual encoding was applied to columns with a small, manageable number of categories. For the remaining categorical variables, Label Encoding was used to convert them into numeric format.</a:t>
+            </a:r>
+            <a:endParaRPr lang="en-US" dirty="0">
+              <a:latin typeface="Cambria" panose="02040503050406030204" pitchFamily="18" charset="0"/>
+              <a:cs typeface="Times New Roman" panose="02020603050405020304" pitchFamily="18" charset="0"/>
+            </a:endParaRPr>
+          </a:p>
+          <a:p>
+            <a:pPr>
+              <a:lnSpc>
+                <a:spcPct val="107000"/>
+              </a:lnSpc>
+              <a:spcAft>
+                <a:spcPts val="800"/>
+              </a:spcAft>
+              <a:buNone/>
+            </a:pPr>
+            <a:endParaRPr lang="en-US" dirty="0" smtClean="0">
+              <a:latin typeface="Cambria" panose="02040503050406030204" pitchFamily="18" charset="0"/>
+              <a:cs typeface="Times New Roman" panose="02020603050405020304" pitchFamily="18" charset="0"/>
+            </a:endParaRPr>
+          </a:p>
+          <a:p>
+            <a:pPr>
+              <a:lnSpc>
+                <a:spcPct val="107000"/>
+              </a:lnSpc>
+              <a:spcAft>
+                <a:spcPts val="800"/>
+              </a:spcAft>
+              <a:buNone/>
+            </a:pPr>
+            <a:endParaRPr lang="en-GB" dirty="0"/>
+          </a:p>
+        </p:txBody>
+      </p:sp>
+      <p:pic>
+        <p:nvPicPr>
+          <p:cNvPr id="5" name="Picture 4"/>
+          <p:cNvPicPr>
+            <a:picLocks noChangeAspect="1"/>
+          </p:cNvPicPr>
+          <p:nvPr/>
+        </p:nvPicPr>
+        <p:blipFill>
+          <a:blip r:embed="rId3"/>
+          <a:stretch>
+            <a:fillRect/>
+          </a:stretch>
+        </p:blipFill>
+        <p:spPr>
+          <a:xfrm>
+            <a:off x="5740787" y="1545787"/>
+            <a:ext cx="6142875" cy="4845915"/>
+          </a:xfrm>
+          <a:prstGeom prst="rect">
+            <a:avLst/>
+          </a:prstGeom>
+        </p:spPr>
+      </p:pic>
+    </p:spTree>
+    <p:extLst>
+      <p:ext uri="{BB962C8B-B14F-4D97-AF65-F5344CB8AC3E}">
+        <p14:creationId xmlns:p14="http://schemas.microsoft.com/office/powerpoint/2010/main" val="876589795"/>
+      </p:ext>
+    </p:extLst>
+  </p:cSld>
+  <p:clrMapOvr>
+    <a:masterClrMapping/>
+  </p:clrMapOvr>
+</p:sld>
+</file>
+
+<file path=ppt/slides/slide7.xml><?xml version="1.0" encoding="utf-8"?>
+<p:sld xmlns:a="http://schemas.openxmlformats.org/drawingml/2006/main" xmlns:r="http://schemas.openxmlformats.org/officeDocument/2006/relationships" xmlns:p="http://schemas.openxmlformats.org/presentationml/2006/main">
+  <p:cSld>
+    <p:spTree>
+      <p:nvGrpSpPr>
+        <p:cNvPr id="1" name=""/>
+        <p:cNvGrpSpPr/>
+        <p:nvPr/>
+      </p:nvGrpSpPr>
+      <p:grpSpPr>
+        <a:xfrm>
+          <a:off x="0" y="0"/>
+          <a:ext cx="0" cy="0"/>
+          <a:chOff x="0" y="0"/>
+          <a:chExt cx="0" cy="0"/>
+        </a:xfrm>
+      </p:grpSpPr>
+      <p:sp>
+        <p:nvSpPr>
+          <p:cNvPr id="9" name="Rectangle 8">
+            <a:extLst>
+              <a:ext uri="{FF2B5EF4-FFF2-40B4-BE49-F238E27FC236}">
+                <a16:creationId xmlns:a16="http://schemas.microsoft.com/office/drawing/2014/main" xmlns="" id="{80B98925-0550-1AFB-C1DC-02792400FB71}"/>
+              </a:ext>
+              <a:ext uri="{C183D7F6-B498-43B3-948B-1728B52AA6E4}">
+                <adec:decorative xmlns:adec="http://schemas.microsoft.com/office/drawing/2017/decorative" xmlns="" val="1"/>
+              </a:ext>
+            </a:extLst>
+          </p:cNvPr>
+          <p:cNvSpPr>
+            <a:spLocks noGrp="1" noRot="1" noChangeAspect="1" noMove="1" noResize="1" noEditPoints="1" noAdjustHandles="1" noChangeArrowheads="1" noChangeShapeType="1" noTextEdit="1"/>
+          </p:cNvSpPr>
+          <p:nvPr>
+            <p:extLst>
+              <p:ext uri="{386F3935-93C4-4BCD-93E2-E3B085C9AB24}">
+                <p16:designElem xmlns:p16="http://schemas.microsoft.com/office/powerpoint/2015/main" xmlns="" val="1"/>
+              </p:ext>
+            </p:extLst>
+          </p:nvPr>
+        </p:nvSpPr>
+        <p:spPr>
+          <a:xfrm>
+            <a:off x="0" y="0"/>
+            <a:ext cx="12192000" cy="6858000"/>
+          </a:xfrm>
+          <a:prstGeom prst="rect">
+            <a:avLst/>
+          </a:prstGeom>
+          <a:solidFill>
+            <a:schemeClr val="bg1"/>
+          </a:solidFill>
+          <a:ln w="12700" cap="flat" cmpd="sng" algn="ctr">
+            <a:noFill/>
+            <a:prstDash val="solid"/>
+            <a:miter lim="800000"/>
+          </a:ln>
+          <a:effectLst/>
+          <a:extLst>
+            <a:ext uri="{91240B29-F687-4F45-9708-019B960494DF}">
+              <a14:hiddenLine xmlns:a14="http://schemas.microsoft.com/office/drawing/2010/main" w="12700" cap="flat" cmpd="sng" algn="ctr">
+                <a:solidFill>
+                  <a:schemeClr val="accent1">
+                    <a:shade val="15000"/>
+                  </a:schemeClr>
+                </a:solidFill>
+                <a:prstDash val="solid"/>
+                <a:miter lim="800000"/>
+              </a14:hiddenLine>
+            </a:ext>
+          </a:extLst>
+        </p:spPr>
+        <p:style>
+          <a:lnRef idx="2">
+            <a:schemeClr val="accent1">
+              <a:shade val="15000"/>
+            </a:schemeClr>
+          </a:lnRef>
+          <a:fillRef idx="1">
+            <a:schemeClr val="accent1"/>
+          </a:fillRef>
+          <a:effectRef idx="0">
+            <a:schemeClr val="accent1"/>
+          </a:effectRef>
+          <a:fontRef idx="minor">
+            <a:schemeClr val="lt1"/>
+          </a:fontRef>
+        </p:style>
+        <p:txBody>
+          <a:bodyPr rtlCol="0" anchor="ctr"/>
+          <a:lstStyle/>
+          <a:p>
+            <a:pPr marL="0" marR="0" lvl="0" indent="0" algn="ctr" defTabSz="914400" rtl="0" eaLnBrk="1" fontAlgn="auto" latinLnBrk="0" hangingPunct="1">
+              <a:lnSpc>
+                <a:spcPct val="100000"/>
+              </a:lnSpc>
+              <a:spcBef>
+                <a:spcPts val="0"/>
+              </a:spcBef>
+              <a:spcAft>
+                <a:spcPts val="0"/>
+              </a:spcAft>
+              <a:buClrTx/>
+              <a:buSzTx/>
+              <a:buFontTx/>
+              <a:buNone/>
+              <a:tabLst/>
+              <a:defRPr/>
+            </a:pPr>
+            <a:endParaRPr kumimoji="0" lang="en-US" sz="1800" b="0" i="0" u="none" strike="noStrike" kern="1200" cap="none" spc="0" normalizeH="0" baseline="0" noProof="0">
+              <a:ln>
+                <a:noFill/>
+              </a:ln>
+              <a:solidFill>
+                <a:srgbClr val="FFFFFF"/>
+              </a:solidFill>
+              <a:effectLst/>
+              <a:uLnTx/>
+              <a:uFillTx/>
+              <a:latin typeface="Calisto MT"/>
+              <a:ea typeface="+mn-ea"/>
+              <a:cs typeface="+mn-cs"/>
+            </a:endParaRPr>
+          </a:p>
+        </p:txBody>
+      </p:sp>
+      <p:pic>
+        <p:nvPicPr>
+          <p:cNvPr id="4" name="Picture 3" descr="A white and blue room with blue sky&#10;&#10;AI-generated content may be incorrect.">
+            <a:extLst>
+              <a:ext uri="{FF2B5EF4-FFF2-40B4-BE49-F238E27FC236}">
+                <a16:creationId xmlns:a16="http://schemas.microsoft.com/office/drawing/2014/main" xmlns="" id="{36CE6427-7899-688F-3128-1CE9BF0EC21E}"/>
+              </a:ext>
+            </a:extLst>
+          </p:cNvPr>
+          <p:cNvPicPr>
+            <a:picLocks noChangeAspect="1"/>
+          </p:cNvPicPr>
+          <p:nvPr/>
+        </p:nvPicPr>
+        <p:blipFill>
+          <a:blip r:embed="rId2"/>
+          <a:srcRect t="18510" b="6490"/>
+          <a:stretch>
+            <a:fillRect/>
+          </a:stretch>
+        </p:blipFill>
+        <p:spPr>
+          <a:xfrm>
+            <a:off x="20" y="10"/>
+            <a:ext cx="12191979" cy="6857990"/>
+          </a:xfrm>
+          <a:prstGeom prst="rect">
+            <a:avLst/>
+          </a:prstGeom>
+        </p:spPr>
+      </p:pic>
+      <p:sp>
+        <p:nvSpPr>
+          <p:cNvPr id="11" name="Rectangle 10">
+            <a:extLst>
+              <a:ext uri="{FF2B5EF4-FFF2-40B4-BE49-F238E27FC236}">
+                <a16:creationId xmlns:a16="http://schemas.microsoft.com/office/drawing/2014/main" xmlns="" id="{0CCA9273-E74E-A306-1F74-BEF9EDA30500}"/>
+              </a:ext>
+              <a:ext uri="{C183D7F6-B498-43B3-948B-1728B52AA6E4}">
+                <adec:decorative xmlns:adec="http://schemas.microsoft.com/office/drawing/2017/decorative" xmlns="" val="1"/>
+              </a:ext>
+            </a:extLst>
+          </p:cNvPr>
+          <p:cNvSpPr>
+            <a:spLocks noGrp="1" noRot="1" noChangeAspect="1" noMove="1" noResize="1" noEditPoints="1" noAdjustHandles="1" noChangeArrowheads="1" noChangeShapeType="1" noTextEdit="1"/>
+          </p:cNvSpPr>
+          <p:nvPr>
+            <p:extLst>
+              <p:ext uri="{386F3935-93C4-4BCD-93E2-E3B085C9AB24}">
+                <p16:designElem xmlns:p16="http://schemas.microsoft.com/office/powerpoint/2015/main" xmlns="" val="1"/>
+              </p:ext>
+            </p:extLst>
+          </p:nvPr>
+        </p:nvSpPr>
+        <p:spPr>
+          <a:xfrm flipV="1">
+            <a:off x="0" y="0"/>
+            <a:ext cx="12192000" cy="2462170"/>
+          </a:xfrm>
+          <a:prstGeom prst="rect">
+            <a:avLst/>
+          </a:prstGeom>
+          <a:gradFill>
+            <a:gsLst>
+              <a:gs pos="0">
+                <a:schemeClr val="bg1">
+                  <a:alpha val="0"/>
+                </a:schemeClr>
+              </a:gs>
+              <a:gs pos="48000">
+                <a:schemeClr val="bg1">
+                  <a:alpha val="17000"/>
+                </a:schemeClr>
+              </a:gs>
+              <a:gs pos="100000">
+                <a:schemeClr val="bg1">
+                  <a:alpha val="45000"/>
+                </a:schemeClr>
+              </a:gs>
+            </a:gsLst>
+            <a:lin ang="5400000" scaled="1"/>
+          </a:gradFill>
+          <a:ln>
+            <a:noFill/>
+          </a:ln>
+        </p:spPr>
+        <p:style>
+          <a:lnRef idx="2">
+            <a:schemeClr val="accent1">
+              <a:shade val="50000"/>
+            </a:schemeClr>
+          </a:lnRef>
+          <a:fillRef idx="1">
+            <a:schemeClr val="accent1"/>
+          </a:fillRef>
+          <a:effectRef idx="0">
+            <a:schemeClr val="accent1"/>
+          </a:effectRef>
+          <a:fontRef idx="minor">
+            <a:schemeClr val="lt1"/>
+          </a:fontRef>
+        </p:style>
+        <p:txBody>
+          <a:bodyPr rtlCol="0" anchor="ctr"/>
+          <a:lstStyle/>
+          <a:p>
+            <a:pPr marL="0" marR="0" lvl="0" indent="0" algn="ctr" defTabSz="914400" rtl="0" eaLnBrk="1" fontAlgn="auto" latinLnBrk="0" hangingPunct="1">
+              <a:lnSpc>
+                <a:spcPct val="100000"/>
+              </a:lnSpc>
+              <a:spcBef>
+                <a:spcPts val="0"/>
+              </a:spcBef>
+              <a:spcAft>
+                <a:spcPts val="0"/>
+              </a:spcAft>
+              <a:buClrTx/>
+              <a:buSzTx/>
+              <a:buFontTx/>
+              <a:buNone/>
+              <a:tabLst/>
+              <a:defRPr/>
+            </a:pPr>
+            <a:endParaRPr kumimoji="0" lang="en-US" sz="1800" b="0" i="0" u="none" strike="noStrike" kern="1200" cap="none" spc="0" normalizeH="0" baseline="0" noProof="0" dirty="0">
+              <a:ln>
+                <a:noFill/>
+              </a:ln>
+              <a:solidFill>
+                <a:srgbClr val="FFFFFF"/>
+              </a:solidFill>
+              <a:effectLst/>
+              <a:uLnTx/>
+              <a:uFillTx/>
+              <a:latin typeface="Calisto MT"/>
+              <a:ea typeface="+mn-ea"/>
+              <a:cs typeface="+mn-cs"/>
+            </a:endParaRPr>
+          </a:p>
+        </p:txBody>
+      </p:sp>
+      <p:sp>
+        <p:nvSpPr>
+          <p:cNvPr id="2" name="Title 1">
+            <a:extLst>
+              <a:ext uri="{FF2B5EF4-FFF2-40B4-BE49-F238E27FC236}">
+                <a16:creationId xmlns:a16="http://schemas.microsoft.com/office/drawing/2014/main" xmlns="" id="{CEC4E630-4580-706E-FD4B-475362D26051}"/>
+              </a:ext>
+            </a:extLst>
+          </p:cNvPr>
+          <p:cNvSpPr>
+            <a:spLocks noGrp="1"/>
+          </p:cNvSpPr>
+          <p:nvPr>
+            <p:ph type="ctrTitle"/>
+          </p:nvPr>
+        </p:nvSpPr>
+        <p:spPr>
+          <a:xfrm>
+            <a:off x="320039" y="175147"/>
+            <a:ext cx="7978385" cy="916234"/>
+          </a:xfrm>
+        </p:spPr>
+        <p:txBody>
+          <a:bodyPr anchor="ctr">
+            <a:normAutofit/>
+          </a:bodyPr>
+          <a:lstStyle/>
+          <a:p>
+            <a:r>
+              <a:rPr lang="en-GB" sz="3600" dirty="0" smtClean="0"/>
+              <a:t>Pre-Processing</a:t>
+            </a:r>
+            <a:endParaRPr lang="en-GB" sz="3600" dirty="0"/>
+          </a:p>
+        </p:txBody>
+      </p:sp>
+      <p:sp>
+        <p:nvSpPr>
+          <p:cNvPr id="6" name="TextBox 5">
+            <a:extLst>
+              <a:ext uri="{FF2B5EF4-FFF2-40B4-BE49-F238E27FC236}">
+                <a16:creationId xmlns:a16="http://schemas.microsoft.com/office/drawing/2014/main" xmlns="" id="{136059E5-3263-14F5-C9FE-3F6C3E0B5C53}"/>
+              </a:ext>
+            </a:extLst>
+          </p:cNvPr>
+          <p:cNvSpPr txBox="1"/>
+          <p:nvPr/>
+        </p:nvSpPr>
+        <p:spPr>
+          <a:xfrm>
+            <a:off x="320039" y="1545787"/>
+            <a:ext cx="11871960" cy="5472524"/>
+          </a:xfrm>
+          <a:prstGeom prst="rect">
+            <a:avLst/>
+          </a:prstGeom>
+          <a:solidFill>
+            <a:schemeClr val="bg1"/>
+          </a:solidFill>
+        </p:spPr>
+        <p:txBody>
+          <a:bodyPr wrap="square">
+            <a:spAutoFit/>
+          </a:bodyPr>
+          <a:lstStyle/>
+          <a:p>
+            <a:pPr>
+              <a:lnSpc>
+                <a:spcPct val="107000"/>
+              </a:lnSpc>
+              <a:spcAft>
+                <a:spcPts val="800"/>
+              </a:spcAft>
+              <a:buNone/>
+            </a:pPr>
+            <a:r>
+              <a:rPr lang="en-US" b="1" kern="100" dirty="0" smtClean="0">
+                <a:latin typeface="Cambria" panose="02040503050406030204" pitchFamily="18" charset="0"/>
+                <a:ea typeface="Times New Roman" panose="02020603050405020304" pitchFamily="18" charset="0"/>
+                <a:cs typeface="Segoe UI" panose="020B0502040204020203" pitchFamily="34" charset="0"/>
+              </a:rPr>
+              <a:t>5</a:t>
+            </a:r>
+            <a:r>
+              <a:rPr lang="en-US" b="1" kern="100" dirty="0">
+                <a:latin typeface="Cambria" panose="02040503050406030204" pitchFamily="18" charset="0"/>
+                <a:ea typeface="Times New Roman" panose="02020603050405020304" pitchFamily="18" charset="0"/>
+                <a:cs typeface="Segoe UI" panose="020B0502040204020203" pitchFamily="34" charset="0"/>
+              </a:rPr>
+              <a:t>. </a:t>
+            </a:r>
+            <a:r>
+              <a:rPr lang="en-US" b="1" kern="100" dirty="0" smtClean="0">
+                <a:latin typeface="Cambria" panose="02040503050406030204" pitchFamily="18" charset="0"/>
+                <a:ea typeface="Times New Roman" panose="02020603050405020304" pitchFamily="18" charset="0"/>
+                <a:cs typeface="Segoe UI" panose="020B0502040204020203" pitchFamily="34" charset="0"/>
+              </a:rPr>
+              <a:t>Decode Back To Original Categories:</a:t>
+            </a:r>
+            <a:endParaRPr lang="en-US" b="1" kern="100" dirty="0">
+              <a:latin typeface="Cambria" panose="02040503050406030204" pitchFamily="18" charset="0"/>
+              <a:ea typeface="Times New Roman" panose="02020603050405020304" pitchFamily="18" charset="0"/>
+              <a:cs typeface="Segoe UI" panose="020B0502040204020203" pitchFamily="34" charset="0"/>
+            </a:endParaRPr>
+          </a:p>
+          <a:p>
+            <a:pPr>
+              <a:lnSpc>
+                <a:spcPct val="107000"/>
+              </a:lnSpc>
+              <a:spcAft>
+                <a:spcPts val="800"/>
+              </a:spcAft>
+              <a:buNone/>
+            </a:pPr>
+            <a:r>
+              <a:rPr lang="en-US" kern="100" dirty="0">
+                <a:latin typeface="Cambria" panose="02040503050406030204" pitchFamily="18" charset="0"/>
+                <a:ea typeface="Times New Roman" panose="02020603050405020304" pitchFamily="18" charset="0"/>
+                <a:cs typeface="Segoe UI" panose="020B0502040204020203" pitchFamily="34" charset="0"/>
+              </a:rPr>
+              <a:t>Post-processing, the label-encoded categorical columns were decoded back to their original string labels to enhance interpretability during data visualization</a:t>
+            </a:r>
+            <a:r>
+              <a:rPr lang="en-US" kern="100" dirty="0" smtClean="0">
+                <a:latin typeface="Cambria" panose="02040503050406030204" pitchFamily="18" charset="0"/>
+                <a:ea typeface="Times New Roman" panose="02020603050405020304" pitchFamily="18" charset="0"/>
+                <a:cs typeface="Segoe UI" panose="020B0502040204020203" pitchFamily="34" charset="0"/>
+              </a:rPr>
+              <a:t>.</a:t>
+            </a:r>
+          </a:p>
+          <a:p>
+            <a:pPr>
+              <a:lnSpc>
+                <a:spcPct val="107000"/>
+              </a:lnSpc>
+              <a:spcAft>
+                <a:spcPts val="800"/>
+              </a:spcAft>
+              <a:buNone/>
+            </a:pPr>
+            <a:r>
+              <a:rPr lang="en-GB" b="1" kern="100" dirty="0" smtClean="0">
+                <a:latin typeface="Calibri" panose="020F0502020204030204" pitchFamily="34" charset="0"/>
+                <a:ea typeface="Calibri" panose="020F0502020204030204" pitchFamily="34" charset="0"/>
+                <a:cs typeface="Times New Roman" panose="02020603050405020304" pitchFamily="18" charset="0"/>
+              </a:rPr>
+              <a:t>6. </a:t>
+            </a:r>
+            <a:r>
+              <a:rPr lang="en-US" b="1" kern="100" dirty="0" smtClean="0">
+                <a:latin typeface="Cambria" panose="02040503050406030204" pitchFamily="18" charset="0"/>
+                <a:ea typeface="Times New Roman" panose="02020603050405020304" pitchFamily="18" charset="0"/>
+                <a:cs typeface="Segoe UI" panose="020B0502040204020203" pitchFamily="34" charset="0"/>
+              </a:rPr>
+              <a:t>Visualization</a:t>
+            </a:r>
+            <a:r>
+              <a:rPr lang="en-GB" b="1" kern="100" dirty="0" smtClean="0">
+                <a:latin typeface="Calibri" panose="020F0502020204030204" pitchFamily="34" charset="0"/>
+                <a:ea typeface="Calibri" panose="020F0502020204030204" pitchFamily="34" charset="0"/>
+                <a:cs typeface="Times New Roman" panose="02020603050405020304" pitchFamily="18" charset="0"/>
+              </a:rPr>
+              <a:t>:</a:t>
+            </a:r>
+          </a:p>
+          <a:p>
+            <a:pPr>
+              <a:lnSpc>
+                <a:spcPct val="107000"/>
+              </a:lnSpc>
+              <a:spcAft>
+                <a:spcPts val="800"/>
+              </a:spcAft>
+              <a:buNone/>
+            </a:pPr>
+            <a:endParaRPr lang="en-US" dirty="0" smtClean="0">
+              <a:latin typeface="Cambria" panose="02040503050406030204" pitchFamily="18" charset="0"/>
+              <a:ea typeface="Calibri" panose="020F0502020204030204" pitchFamily="34" charset="0"/>
+              <a:cs typeface="Times New Roman" panose="02020603050405020304" pitchFamily="18" charset="0"/>
+            </a:endParaRPr>
+          </a:p>
+          <a:p>
+            <a:pPr>
+              <a:lnSpc>
+                <a:spcPct val="107000"/>
+              </a:lnSpc>
+              <a:spcAft>
+                <a:spcPts val="800"/>
+              </a:spcAft>
+              <a:buNone/>
+            </a:pPr>
+            <a:endParaRPr lang="en-US" dirty="0">
+              <a:latin typeface="Cambria" panose="02040503050406030204" pitchFamily="18" charset="0"/>
+              <a:cs typeface="Times New Roman" panose="02020603050405020304" pitchFamily="18" charset="0"/>
+            </a:endParaRPr>
+          </a:p>
+          <a:p>
+            <a:pPr>
+              <a:lnSpc>
+                <a:spcPct val="107000"/>
+              </a:lnSpc>
+              <a:spcAft>
+                <a:spcPts val="800"/>
+              </a:spcAft>
+              <a:buNone/>
+            </a:pPr>
+            <a:endParaRPr lang="en-US" dirty="0" smtClean="0">
+              <a:latin typeface="Cambria" panose="02040503050406030204" pitchFamily="18" charset="0"/>
+              <a:cs typeface="Times New Roman" panose="02020603050405020304" pitchFamily="18" charset="0"/>
+            </a:endParaRPr>
+          </a:p>
+          <a:p>
+            <a:pPr>
+              <a:lnSpc>
+                <a:spcPct val="107000"/>
+              </a:lnSpc>
+              <a:spcAft>
+                <a:spcPts val="800"/>
+              </a:spcAft>
+              <a:buNone/>
+            </a:pPr>
+            <a:endParaRPr lang="en-US" dirty="0">
+              <a:latin typeface="Cambria" panose="02040503050406030204" pitchFamily="18" charset="0"/>
+              <a:cs typeface="Times New Roman" panose="02020603050405020304" pitchFamily="18" charset="0"/>
+            </a:endParaRPr>
+          </a:p>
+          <a:p>
+            <a:pPr>
+              <a:lnSpc>
+                <a:spcPct val="107000"/>
+              </a:lnSpc>
+              <a:spcAft>
+                <a:spcPts val="800"/>
+              </a:spcAft>
+              <a:buNone/>
+            </a:pPr>
+            <a:endParaRPr lang="en-US" dirty="0" smtClean="0">
+              <a:latin typeface="Cambria" panose="02040503050406030204" pitchFamily="18" charset="0"/>
+              <a:cs typeface="Times New Roman" panose="02020603050405020304" pitchFamily="18" charset="0"/>
+            </a:endParaRPr>
+          </a:p>
+          <a:p>
+            <a:pPr>
+              <a:lnSpc>
+                <a:spcPct val="107000"/>
+              </a:lnSpc>
+              <a:spcAft>
+                <a:spcPts val="800"/>
+              </a:spcAft>
+              <a:buNone/>
+            </a:pPr>
+            <a:endParaRPr lang="en-US" dirty="0">
+              <a:latin typeface="Cambria" panose="02040503050406030204" pitchFamily="18" charset="0"/>
+              <a:cs typeface="Times New Roman" panose="02020603050405020304" pitchFamily="18" charset="0"/>
+            </a:endParaRPr>
+          </a:p>
+          <a:p>
+            <a:pPr>
+              <a:lnSpc>
+                <a:spcPct val="107000"/>
+              </a:lnSpc>
+              <a:spcAft>
+                <a:spcPts val="800"/>
+              </a:spcAft>
+              <a:buNone/>
+            </a:pPr>
+            <a:endParaRPr lang="en-US" dirty="0" smtClean="0">
+              <a:latin typeface="Cambria" panose="02040503050406030204" pitchFamily="18" charset="0"/>
+              <a:cs typeface="Times New Roman" panose="02020603050405020304" pitchFamily="18" charset="0"/>
+            </a:endParaRPr>
+          </a:p>
+          <a:p>
+            <a:pPr>
+              <a:lnSpc>
+                <a:spcPct val="107000"/>
+              </a:lnSpc>
+              <a:spcAft>
+                <a:spcPts val="800"/>
+              </a:spcAft>
+              <a:buNone/>
+            </a:pPr>
+            <a:endParaRPr lang="en-US" dirty="0">
+              <a:latin typeface="Cambria" panose="02040503050406030204" pitchFamily="18" charset="0"/>
+              <a:cs typeface="Times New Roman" panose="02020603050405020304" pitchFamily="18" charset="0"/>
+            </a:endParaRPr>
+          </a:p>
+          <a:p>
+            <a:pPr>
+              <a:lnSpc>
+                <a:spcPct val="107000"/>
+              </a:lnSpc>
+              <a:spcAft>
+                <a:spcPts val="800"/>
+              </a:spcAft>
+              <a:buNone/>
+            </a:pPr>
+            <a:endParaRPr lang="en-US" dirty="0" smtClean="0">
+              <a:latin typeface="Cambria" panose="02040503050406030204" pitchFamily="18" charset="0"/>
+              <a:cs typeface="Times New Roman" panose="02020603050405020304" pitchFamily="18" charset="0"/>
+            </a:endParaRPr>
+          </a:p>
+          <a:p>
+            <a:pPr>
+              <a:lnSpc>
+                <a:spcPct val="107000"/>
+              </a:lnSpc>
+              <a:spcAft>
+                <a:spcPts val="800"/>
+              </a:spcAft>
+              <a:buNone/>
+            </a:pPr>
+            <a:endParaRPr lang="en-GB" dirty="0"/>
+          </a:p>
+        </p:txBody>
+      </p:sp>
+      <p:pic>
+        <p:nvPicPr>
+          <p:cNvPr id="3" name="Picture 2"/>
+          <p:cNvPicPr>
+            <a:picLocks noChangeAspect="1"/>
+          </p:cNvPicPr>
+          <p:nvPr/>
+        </p:nvPicPr>
+        <p:blipFill>
+          <a:blip r:embed="rId3"/>
+          <a:stretch>
+            <a:fillRect/>
+          </a:stretch>
+        </p:blipFill>
+        <p:spPr>
+          <a:xfrm>
+            <a:off x="528951" y="4121744"/>
+            <a:ext cx="3780280" cy="2611408"/>
+          </a:xfrm>
+          <a:prstGeom prst="rect">
+            <a:avLst/>
+          </a:prstGeom>
+        </p:spPr>
+      </p:pic>
+      <p:sp>
+        <p:nvSpPr>
+          <p:cNvPr id="7" name="TextBox 6"/>
+          <p:cNvSpPr txBox="1"/>
+          <p:nvPr/>
+        </p:nvSpPr>
+        <p:spPr>
+          <a:xfrm>
+            <a:off x="1336430" y="3089833"/>
+            <a:ext cx="2729133" cy="800219"/>
+          </a:xfrm>
+          <a:prstGeom prst="rect">
+            <a:avLst/>
+          </a:prstGeom>
+          <a:noFill/>
+        </p:spPr>
+        <p:txBody>
+          <a:bodyPr wrap="square" rtlCol="0">
+            <a:spAutoFit/>
+          </a:bodyPr>
+          <a:lstStyle/>
+          <a:p>
+            <a:pPr algn="ctr"/>
+            <a:r>
+              <a:rPr lang="en-US" b="1" dirty="0" smtClean="0"/>
+              <a:t>Bar Plot</a:t>
+            </a:r>
+            <a:endParaRPr lang="en-US" b="1" dirty="0" smtClean="0">
+              <a:latin typeface="Cambria" panose="02040503050406030204" pitchFamily="18" charset="0"/>
+              <a:ea typeface="Calibri" panose="020F0502020204030204" pitchFamily="34" charset="0"/>
+              <a:cs typeface="Times New Roman" panose="02020603050405020304" pitchFamily="18" charset="0"/>
+            </a:endParaRPr>
+          </a:p>
+          <a:p>
+            <a:pPr algn="ctr"/>
+            <a:r>
+              <a:rPr lang="en-US" sz="1400" dirty="0" smtClean="0">
+                <a:latin typeface="Cambria" panose="02040503050406030204" pitchFamily="18" charset="0"/>
+                <a:ea typeface="Calibri" panose="020F0502020204030204" pitchFamily="34" charset="0"/>
+                <a:cs typeface="Times New Roman" panose="02020603050405020304" pitchFamily="18" charset="0"/>
+              </a:rPr>
+              <a:t>Comparison between </a:t>
+            </a:r>
+            <a:r>
+              <a:rPr lang="en-US" sz="1400" dirty="0">
+                <a:latin typeface="Cambria" panose="02040503050406030204" pitchFamily="18" charset="0"/>
+                <a:ea typeface="Calibri" panose="020F0502020204030204" pitchFamily="34" charset="0"/>
+                <a:cs typeface="Times New Roman" panose="02020603050405020304" pitchFamily="18" charset="0"/>
+              </a:rPr>
+              <a:t>male and female customers</a:t>
+            </a:r>
+            <a:r>
+              <a:rPr lang="en-US" sz="1400" dirty="0" smtClean="0"/>
+              <a:t> </a:t>
+            </a:r>
+            <a:endParaRPr lang="en-US" sz="1400" dirty="0"/>
+          </a:p>
+        </p:txBody>
+      </p:sp>
+      <p:pic>
+        <p:nvPicPr>
+          <p:cNvPr id="8" name="Picture 7"/>
+          <p:cNvPicPr>
+            <a:picLocks noChangeAspect="1"/>
+          </p:cNvPicPr>
+          <p:nvPr/>
+        </p:nvPicPr>
+        <p:blipFill>
+          <a:blip r:embed="rId4"/>
+          <a:stretch>
+            <a:fillRect/>
+          </a:stretch>
+        </p:blipFill>
+        <p:spPr>
+          <a:xfrm>
+            <a:off x="4309231" y="4020613"/>
+            <a:ext cx="4025550" cy="2712539"/>
+          </a:xfrm>
+          <a:prstGeom prst="rect">
+            <a:avLst/>
+          </a:prstGeom>
+        </p:spPr>
+      </p:pic>
+      <p:pic>
+        <p:nvPicPr>
+          <p:cNvPr id="10" name="Picture 9"/>
+          <p:cNvPicPr>
+            <a:picLocks noChangeAspect="1"/>
+          </p:cNvPicPr>
+          <p:nvPr/>
+        </p:nvPicPr>
+        <p:blipFill>
+          <a:blip r:embed="rId5"/>
+          <a:stretch>
+            <a:fillRect/>
+          </a:stretch>
+        </p:blipFill>
+        <p:spPr>
+          <a:xfrm>
+            <a:off x="8298424" y="4121744"/>
+            <a:ext cx="3788582" cy="2466984"/>
+          </a:xfrm>
+          <a:prstGeom prst="rect">
+            <a:avLst/>
+          </a:prstGeom>
+        </p:spPr>
+      </p:pic>
+      <p:sp>
+        <p:nvSpPr>
+          <p:cNvPr id="12" name="TextBox 11"/>
+          <p:cNvSpPr txBox="1"/>
+          <p:nvPr/>
+        </p:nvSpPr>
+        <p:spPr>
+          <a:xfrm>
+            <a:off x="5081954" y="3089832"/>
+            <a:ext cx="2729133" cy="800219"/>
+          </a:xfrm>
+          <a:prstGeom prst="rect">
+            <a:avLst/>
+          </a:prstGeom>
+          <a:noFill/>
+        </p:spPr>
+        <p:txBody>
+          <a:bodyPr wrap="square" rtlCol="0">
+            <a:spAutoFit/>
+          </a:bodyPr>
+          <a:lstStyle/>
+          <a:p>
+            <a:pPr algn="ctr"/>
+            <a:r>
+              <a:rPr lang="en-US" b="1" dirty="0" smtClean="0"/>
+              <a:t>Line Plot</a:t>
+            </a:r>
+            <a:endParaRPr lang="en-US" b="1" dirty="0" smtClean="0">
+              <a:latin typeface="Cambria" panose="02040503050406030204" pitchFamily="18" charset="0"/>
+              <a:ea typeface="Calibri" panose="020F0502020204030204" pitchFamily="34" charset="0"/>
+              <a:cs typeface="Times New Roman" panose="02020603050405020304" pitchFamily="18" charset="0"/>
+            </a:endParaRPr>
+          </a:p>
+          <a:p>
+            <a:pPr algn="ctr"/>
+            <a:r>
+              <a:rPr lang="en-US" sz="1400" dirty="0" smtClean="0">
+                <a:latin typeface="Cambria" panose="02040503050406030204" pitchFamily="18" charset="0"/>
+                <a:ea typeface="Calibri" panose="020F0502020204030204" pitchFamily="34" charset="0"/>
+                <a:cs typeface="Times New Roman" panose="02020603050405020304" pitchFamily="18" charset="0"/>
+              </a:rPr>
+              <a:t>Comparison between </a:t>
+            </a:r>
+            <a:r>
+              <a:rPr lang="en-US" sz="1400" dirty="0">
+                <a:latin typeface="Cambria" panose="02040503050406030204" pitchFamily="18" charset="0"/>
+                <a:ea typeface="Calibri" panose="020F0502020204030204" pitchFamily="34" charset="0"/>
+                <a:cs typeface="Times New Roman" panose="02020603050405020304" pitchFamily="18" charset="0"/>
+              </a:rPr>
+              <a:t>male and female </a:t>
+            </a:r>
+            <a:r>
+              <a:rPr lang="en-US" sz="1400" dirty="0" smtClean="0">
+                <a:latin typeface="Cambria" panose="02040503050406030204" pitchFamily="18" charset="0"/>
+                <a:ea typeface="Calibri" panose="020F0502020204030204" pitchFamily="34" charset="0"/>
+                <a:cs typeface="Times New Roman" panose="02020603050405020304" pitchFamily="18" charset="0"/>
+              </a:rPr>
+              <a:t>total purchases</a:t>
+            </a:r>
+            <a:r>
+              <a:rPr lang="en-US" sz="1400" dirty="0" smtClean="0"/>
+              <a:t> </a:t>
+            </a:r>
+            <a:endParaRPr lang="en-US" sz="1400" dirty="0"/>
+          </a:p>
+        </p:txBody>
+      </p:sp>
+      <p:sp>
+        <p:nvSpPr>
+          <p:cNvPr id="13" name="TextBox 12"/>
+          <p:cNvSpPr txBox="1"/>
+          <p:nvPr/>
+        </p:nvSpPr>
+        <p:spPr>
+          <a:xfrm>
+            <a:off x="8976360" y="3089831"/>
+            <a:ext cx="2729133" cy="800219"/>
+          </a:xfrm>
+          <a:prstGeom prst="rect">
+            <a:avLst/>
+          </a:prstGeom>
+          <a:noFill/>
+        </p:spPr>
+        <p:txBody>
+          <a:bodyPr wrap="square" rtlCol="0">
+            <a:spAutoFit/>
+          </a:bodyPr>
+          <a:lstStyle/>
+          <a:p>
+            <a:pPr algn="ctr"/>
+            <a:r>
+              <a:rPr lang="en-US" b="1" dirty="0" smtClean="0"/>
+              <a:t>Bar Plot</a:t>
+            </a:r>
+            <a:endParaRPr lang="en-US" b="1" dirty="0" smtClean="0">
+              <a:latin typeface="Cambria" panose="02040503050406030204" pitchFamily="18" charset="0"/>
+              <a:ea typeface="Calibri" panose="020F0502020204030204" pitchFamily="34" charset="0"/>
+              <a:cs typeface="Times New Roman" panose="02020603050405020304" pitchFamily="18" charset="0"/>
+            </a:endParaRPr>
+          </a:p>
+          <a:p>
+            <a:pPr algn="ctr"/>
+            <a:r>
+              <a:rPr lang="en-US" sz="1400" dirty="0" smtClean="0">
+                <a:latin typeface="Cambria" panose="02040503050406030204" pitchFamily="18" charset="0"/>
+                <a:ea typeface="Calibri" panose="020F0502020204030204" pitchFamily="34" charset="0"/>
+                <a:cs typeface="Times New Roman" panose="02020603050405020304" pitchFamily="18" charset="0"/>
+              </a:rPr>
+              <a:t>Comparison between </a:t>
+            </a:r>
+            <a:r>
+              <a:rPr lang="en-US" sz="1400" dirty="0">
+                <a:latin typeface="Cambria" panose="02040503050406030204" pitchFamily="18" charset="0"/>
+                <a:ea typeface="Calibri" panose="020F0502020204030204" pitchFamily="34" charset="0"/>
+                <a:cs typeface="Times New Roman" panose="02020603050405020304" pitchFamily="18" charset="0"/>
+              </a:rPr>
+              <a:t>male and female </a:t>
+            </a:r>
+            <a:r>
+              <a:rPr lang="en-US" sz="1400" dirty="0" smtClean="0">
+                <a:latin typeface="Cambria" panose="02040503050406030204" pitchFamily="18" charset="0"/>
+                <a:ea typeface="Calibri" panose="020F0502020204030204" pitchFamily="34" charset="0"/>
+                <a:cs typeface="Times New Roman" panose="02020603050405020304" pitchFamily="18" charset="0"/>
+              </a:rPr>
+              <a:t>spending's</a:t>
+            </a:r>
+            <a:r>
+              <a:rPr lang="en-US" sz="1400" dirty="0" smtClean="0"/>
+              <a:t> </a:t>
+            </a:r>
+            <a:r>
+              <a:rPr lang="en-US" sz="1400" dirty="0">
+                <a:latin typeface="Cambria" panose="02040503050406030204" pitchFamily="18" charset="0"/>
+                <a:ea typeface="Calibri" panose="020F0502020204030204" pitchFamily="34" charset="0"/>
+                <a:cs typeface="Times New Roman" panose="02020603050405020304" pitchFamily="18" charset="0"/>
+              </a:rPr>
+              <a:t>monthly </a:t>
+            </a:r>
+            <a:r>
+              <a:rPr lang="en-US" sz="1400" dirty="0" smtClean="0">
+                <a:latin typeface="Cambria" panose="02040503050406030204" pitchFamily="18" charset="0"/>
+                <a:ea typeface="Calibri" panose="020F0502020204030204" pitchFamily="34" charset="0"/>
+                <a:cs typeface="Times New Roman" panose="02020603050405020304" pitchFamily="18" charset="0"/>
+              </a:rPr>
+              <a:t>wise</a:t>
+            </a:r>
+            <a:endParaRPr lang="en-US" sz="1400" dirty="0"/>
+          </a:p>
+        </p:txBody>
+      </p:sp>
+    </p:spTree>
+    <p:extLst>
+      <p:ext uri="{BB962C8B-B14F-4D97-AF65-F5344CB8AC3E}">
+        <p14:creationId xmlns:p14="http://schemas.microsoft.com/office/powerpoint/2010/main" val="3864145157"/>
+      </p:ext>
+    </p:extLst>
+  </p:cSld>
+  <p:clrMapOvr>
+    <a:masterClrMapping/>
   </p:clrMapOvr>
 </p:sld>
 </file>
